--- a/7.img/绘图文件/draw.pptx
+++ b/7.img/绘图文件/draw.pptx
@@ -2925,8 +2925,8 @@
         </p:nvSpPr>
         <p:spPr>
           <a:xfrm>
-            <a:off x="4531995" y="2720340"/>
-            <a:ext cx="3203575" cy="1356995"/>
+            <a:off x="676275" y="883920"/>
+            <a:ext cx="2395855" cy="1149350"/>
           </a:xfrm>
           <a:prstGeom prst="rect">
             <a:avLst/>
@@ -2978,7 +2978,7 @@
         </p:nvSpPr>
         <p:spPr>
           <a:xfrm>
-            <a:off x="4531995" y="2414270"/>
+            <a:off x="645795" y="577850"/>
             <a:ext cx="1689735" cy="275590"/>
           </a:xfrm>
           <a:prstGeom prst="rect">
@@ -3031,7 +3031,7 @@
         </p:nvSpPr>
         <p:spPr>
           <a:xfrm>
-            <a:off x="6938010" y="3276600"/>
+            <a:off x="2279650" y="1566545"/>
             <a:ext cx="739775" cy="198120"/>
           </a:xfrm>
           <a:prstGeom prst="roundRect">
@@ -3112,7 +3112,7 @@
         </p:blipFill>
         <p:spPr>
           <a:xfrm>
-            <a:off x="6729730" y="3296920"/>
+            <a:off x="2071370" y="1586865"/>
             <a:ext cx="180000" cy="180000"/>
           </a:xfrm>
           <a:prstGeom prst="rect">
@@ -3128,7 +3128,7 @@
         </p:nvSpPr>
         <p:spPr>
           <a:xfrm>
-            <a:off x="4585335" y="3342640"/>
+            <a:off x="704850" y="1287145"/>
             <a:ext cx="504000" cy="198120"/>
           </a:xfrm>
           <a:prstGeom prst="roundRect">
@@ -3191,7 +3191,7 @@
         </p:nvSpPr>
         <p:spPr>
           <a:xfrm>
-            <a:off x="4585335" y="3590290"/>
+            <a:off x="704850" y="1534795"/>
             <a:ext cx="504000" cy="198120"/>
           </a:xfrm>
           <a:prstGeom prst="roundRect">
@@ -3248,7 +3248,7 @@
       </p:sp>
       <p:pic>
         <p:nvPicPr>
-          <p:cNvPr id="14" name="图片 13"/>
+          <p:cNvPr id="2" name="图片 1" descr="03多肉"/>
           <p:cNvPicPr>
             <a:picLocks noChangeAspect="1"/>
           </p:cNvPicPr>
@@ -3262,38 +3262,14 @@
         </p:blipFill>
         <p:spPr>
           <a:xfrm>
-            <a:off x="5579745" y="2781300"/>
-            <a:ext cx="1078865" cy="1212215"/>
+            <a:off x="605790" y="2788920"/>
+            <a:ext cx="180000" cy="180000"/>
           </a:xfrm>
           <a:prstGeom prst="rect">
             <a:avLst/>
           </a:prstGeom>
         </p:spPr>
       </p:pic>
-      <p:pic>
-        <p:nvPicPr>
-          <p:cNvPr id="2" name="图片 1" descr="03多肉"/>
-          <p:cNvPicPr>
-            <a:picLocks noChangeAspect="1"/>
-          </p:cNvPicPr>
-          <p:nvPr/>
-        </p:nvPicPr>
-        <p:blipFill>
-          <a:blip r:embed="rId3"/>
-          <a:stretch>
-            <a:fillRect/>
-          </a:stretch>
-        </p:blipFill>
-        <p:spPr>
-          <a:xfrm>
-            <a:off x="6241415" y="4676140"/>
-            <a:ext cx="180000" cy="180000"/>
-          </a:xfrm>
-          <a:prstGeom prst="rect">
-            <a:avLst/>
-          </a:prstGeom>
-        </p:spPr>
-      </p:pic>
       <p:sp>
         <p:nvSpPr>
           <p:cNvPr id="5" name="圆角矩形 4"/>
@@ -3302,7 +3278,7 @@
         </p:nvSpPr>
         <p:spPr>
           <a:xfrm>
-            <a:off x="6743065" y="2743835"/>
+            <a:off x="2084705" y="1033780"/>
             <a:ext cx="963930" cy="495300"/>
           </a:xfrm>
           <a:prstGeom prst="roundRect">
@@ -3404,14 +3380,14 @@
           <p:nvPr/>
         </p:nvPicPr>
         <p:blipFill>
-          <a:blip r:embed="rId4"/>
+          <a:blip r:embed="rId3"/>
           <a:stretch>
             <a:fillRect/>
           </a:stretch>
         </p:blipFill>
         <p:spPr>
           <a:xfrm>
-            <a:off x="5107940" y="3837940"/>
+            <a:off x="1227455" y="1782445"/>
             <a:ext cx="180000" cy="180000"/>
           </a:xfrm>
           <a:prstGeom prst="rect">
@@ -3427,7 +3403,7 @@
         </p:nvSpPr>
         <p:spPr>
           <a:xfrm>
-            <a:off x="4591050" y="3837940"/>
+            <a:off x="710565" y="1782445"/>
             <a:ext cx="504000" cy="198120"/>
           </a:xfrm>
           <a:prstGeom prst="roundRect">
@@ -3491,6 +3467,30 @@
           <p:nvPr/>
         </p:nvPicPr>
         <p:blipFill>
+          <a:blip r:embed="rId4"/>
+          <a:stretch>
+            <a:fillRect/>
+          </a:stretch>
+        </p:blipFill>
+        <p:spPr>
+          <a:xfrm>
+            <a:off x="1214755" y="1526540"/>
+            <a:ext cx="180000" cy="180000"/>
+          </a:xfrm>
+          <a:prstGeom prst="rect">
+            <a:avLst/>
+          </a:prstGeom>
+        </p:spPr>
+      </p:pic>
+      <p:pic>
+        <p:nvPicPr>
+          <p:cNvPr id="17" name="图片 16" descr="四足机器人"/>
+          <p:cNvPicPr>
+            <a:picLocks noChangeAspect="1"/>
+          </p:cNvPicPr>
+          <p:nvPr/>
+        </p:nvPicPr>
+        <p:blipFill>
           <a:blip r:embed="rId5"/>
           <a:stretch>
             <a:fillRect/>
@@ -3498,7 +3498,7 @@
         </p:blipFill>
         <p:spPr>
           <a:xfrm>
-            <a:off x="5095240" y="3582035"/>
+            <a:off x="605790" y="2249170"/>
             <a:ext cx="180000" cy="180000"/>
           </a:xfrm>
           <a:prstGeom prst="rect">
@@ -3508,7 +3508,7 @@
       </p:pic>
       <p:pic>
         <p:nvPicPr>
-          <p:cNvPr id="17" name="图片 16" descr="四足机器人"/>
+          <p:cNvPr id="18" name="图片 17" descr="机器人"/>
           <p:cNvPicPr>
             <a:picLocks noChangeAspect="1"/>
           </p:cNvPicPr>
@@ -3522,7 +3522,7 @@
         </p:blipFill>
         <p:spPr>
           <a:xfrm>
-            <a:off x="6241415" y="4136390"/>
+            <a:off x="605790" y="2519045"/>
             <a:ext cx="180000" cy="180000"/>
           </a:xfrm>
           <a:prstGeom prst="rect">
@@ -3532,7 +3532,7 @@
       </p:pic>
       <p:pic>
         <p:nvPicPr>
-          <p:cNvPr id="18" name="图片 17" descr="机器人"/>
+          <p:cNvPr id="19" name="图片 18" descr="海底捞logo_支付宝生活号"/>
           <p:cNvPicPr>
             <a:picLocks noChangeAspect="1"/>
           </p:cNvPicPr>
@@ -3546,7 +3546,7 @@
         </p:blipFill>
         <p:spPr>
           <a:xfrm>
-            <a:off x="6241415" y="4406265"/>
+            <a:off x="2070735" y="1807210"/>
             <a:ext cx="180000" cy="180000"/>
           </a:xfrm>
           <a:prstGeom prst="rect">
@@ -3556,7 +3556,7 @@
       </p:pic>
       <p:pic>
         <p:nvPicPr>
-          <p:cNvPr id="19" name="图片 18" descr="海底捞logo_支付宝生活号"/>
+          <p:cNvPr id="20" name="图片 19" descr="泡菜"/>
           <p:cNvPicPr>
             <a:picLocks noChangeAspect="1"/>
           </p:cNvPicPr>
@@ -3570,7 +3570,7 @@
         </p:blipFill>
         <p:spPr>
           <a:xfrm>
-            <a:off x="6729095" y="3517265"/>
+            <a:off x="1214755" y="1292225"/>
             <a:ext cx="180000" cy="180000"/>
           </a:xfrm>
           <a:prstGeom prst="rect">
@@ -3578,30 +3578,6 @@
           </a:prstGeom>
         </p:spPr>
       </p:pic>
-      <p:pic>
-        <p:nvPicPr>
-          <p:cNvPr id="20" name="图片 19" descr="泡菜"/>
-          <p:cNvPicPr>
-            <a:picLocks noChangeAspect="1"/>
-          </p:cNvPicPr>
-          <p:nvPr/>
-        </p:nvPicPr>
-        <p:blipFill>
-          <a:blip r:embed="rId9"/>
-          <a:stretch>
-            <a:fillRect/>
-          </a:stretch>
-        </p:blipFill>
-        <p:spPr>
-          <a:xfrm>
-            <a:off x="5095240" y="3347720"/>
-            <a:ext cx="180000" cy="180000"/>
-          </a:xfrm>
-          <a:prstGeom prst="rect">
-            <a:avLst/>
-          </a:prstGeom>
-        </p:spPr>
-      </p:pic>
       <p:sp>
         <p:nvSpPr>
           <p:cNvPr id="21" name="圆角矩形 20"/>
@@ -3610,7 +3586,7 @@
         </p:nvSpPr>
         <p:spPr>
           <a:xfrm>
-            <a:off x="6937375" y="3505835"/>
+            <a:off x="2279015" y="1795780"/>
             <a:ext cx="739775" cy="198120"/>
           </a:xfrm>
           <a:prstGeom prst="roundRect">
@@ -3683,7 +3659,7 @@
         </p:nvSpPr>
         <p:spPr>
           <a:xfrm>
-            <a:off x="6449060" y="4189095"/>
+            <a:off x="813435" y="2301875"/>
             <a:ext cx="739775" cy="54000"/>
           </a:xfrm>
           <a:prstGeom prst="roundRect">
@@ -3746,7 +3722,7 @@
         </p:nvSpPr>
         <p:spPr>
           <a:xfrm>
-            <a:off x="6449060" y="4469130"/>
+            <a:off x="813435" y="2581910"/>
             <a:ext cx="739775" cy="54000"/>
           </a:xfrm>
           <a:prstGeom prst="roundRect">
@@ -3809,7 +3785,7 @@
         </p:nvSpPr>
         <p:spPr>
           <a:xfrm>
-            <a:off x="6449060" y="4742180"/>
+            <a:off x="813435" y="2854960"/>
             <a:ext cx="739775" cy="54000"/>
           </a:xfrm>
           <a:prstGeom prst="roundRect">
@@ -3872,7 +3848,7 @@
         </p:nvSpPr>
         <p:spPr>
           <a:xfrm>
-            <a:off x="4622165" y="3862705"/>
+            <a:off x="741680" y="1807210"/>
             <a:ext cx="72000" cy="144000"/>
           </a:xfrm>
           <a:prstGeom prst="roundRect">
@@ -3937,7 +3913,7 @@
         </p:nvSpPr>
         <p:spPr>
           <a:xfrm>
-            <a:off x="4713605" y="3862705"/>
+            <a:off x="833120" y="1807210"/>
             <a:ext cx="72000" cy="144000"/>
           </a:xfrm>
           <a:prstGeom prst="roundRect">
@@ -4002,7 +3978,7 @@
         </p:nvSpPr>
         <p:spPr>
           <a:xfrm>
-            <a:off x="4805045" y="3862705"/>
+            <a:off x="924560" y="1807210"/>
             <a:ext cx="72000" cy="144000"/>
           </a:xfrm>
           <a:prstGeom prst="roundRect">
@@ -4067,7 +4043,7 @@
         </p:nvSpPr>
         <p:spPr>
           <a:xfrm>
-            <a:off x="4896485" y="3862705"/>
+            <a:off x="1016000" y="1807210"/>
             <a:ext cx="72000" cy="144000"/>
           </a:xfrm>
           <a:prstGeom prst="roundRect">
@@ -4132,7 +4108,7 @@
         </p:nvSpPr>
         <p:spPr>
           <a:xfrm>
-            <a:off x="4987925" y="3862705"/>
+            <a:off x="1107440" y="1807210"/>
             <a:ext cx="72000" cy="144000"/>
           </a:xfrm>
           <a:prstGeom prst="roundRect">
@@ -4195,7 +4171,7 @@
         </p:nvSpPr>
         <p:spPr>
           <a:xfrm>
-            <a:off x="4622165" y="3616960"/>
+            <a:off x="741680" y="1561465"/>
             <a:ext cx="90000" cy="144000"/>
           </a:xfrm>
           <a:prstGeom prst="roundRect">
@@ -4260,7 +4236,7 @@
         </p:nvSpPr>
         <p:spPr>
           <a:xfrm>
-            <a:off x="4731385" y="3617595"/>
+            <a:off x="850900" y="1562100"/>
             <a:ext cx="90000" cy="144000"/>
           </a:xfrm>
           <a:prstGeom prst="roundRect">
@@ -4325,7 +4301,7 @@
         </p:nvSpPr>
         <p:spPr>
           <a:xfrm>
-            <a:off x="4840605" y="3616960"/>
+            <a:off x="960120" y="1561465"/>
             <a:ext cx="90000" cy="144000"/>
           </a:xfrm>
           <a:prstGeom prst="roundRect">
@@ -4390,7 +4366,7 @@
         </p:nvSpPr>
         <p:spPr>
           <a:xfrm>
-            <a:off x="4949825" y="3617595"/>
+            <a:off x="1069340" y="1562100"/>
             <a:ext cx="90000" cy="144000"/>
           </a:xfrm>
           <a:prstGeom prst="roundRect">
@@ -4453,7 +4429,7 @@
         </p:nvSpPr>
         <p:spPr>
           <a:xfrm>
-            <a:off x="4622165" y="3371850"/>
+            <a:off x="741680" y="1316355"/>
             <a:ext cx="90000" cy="144000"/>
           </a:xfrm>
           <a:prstGeom prst="roundRect">
@@ -4516,7 +4492,7 @@
         </p:nvSpPr>
         <p:spPr>
           <a:xfrm>
-            <a:off x="4731385" y="3372485"/>
+            <a:off x="850900" y="1316990"/>
             <a:ext cx="90000" cy="144000"/>
           </a:xfrm>
           <a:prstGeom prst="roundRect">
@@ -4579,7 +4555,7 @@
         </p:nvSpPr>
         <p:spPr>
           <a:xfrm>
-            <a:off x="4840605" y="3371850"/>
+            <a:off x="960120" y="1316355"/>
             <a:ext cx="90000" cy="144000"/>
           </a:xfrm>
           <a:prstGeom prst="roundRect">
@@ -4642,7 +4618,7 @@
         </p:nvSpPr>
         <p:spPr>
           <a:xfrm>
-            <a:off x="4949825" y="3372485"/>
+            <a:off x="1069340" y="1316990"/>
             <a:ext cx="90000" cy="144000"/>
           </a:xfrm>
           <a:prstGeom prst="roundRect">
@@ -4697,6 +4673,369 @@
           </a:p>
         </p:txBody>
       </p:sp>
+      <p:sp>
+        <p:nvSpPr>
+          <p:cNvPr id="8" name="圆角矩形 7"/>
+          <p:cNvSpPr/>
+          <p:nvPr/>
+        </p:nvSpPr>
+        <p:spPr>
+          <a:xfrm>
+            <a:off x="704850" y="1038860"/>
+            <a:ext cx="504000" cy="198120"/>
+          </a:xfrm>
+          <a:prstGeom prst="roundRect">
+            <a:avLst>
+              <a:gd name="adj" fmla="val 5087"/>
+            </a:avLst>
+          </a:prstGeom>
+          <a:noFill/>
+          <a:ln w="9525" cmpd="sng">
+            <a:solidFill>
+              <a:schemeClr val="tx1"/>
+            </a:solidFill>
+            <a:prstDash val="solid"/>
+          </a:ln>
+          <a:extLst>
+            <a:ext uri="{909E8E84-426E-40DD-AFC4-6F175D3DCCD1}">
+              <a14:hiddenFill xmlns:a14="http://schemas.microsoft.com/office/drawing/2010/main">
+                <a:solidFill>
+                  <a:schemeClr val="bg1"/>
+                </a:solidFill>
+              </a14:hiddenFill>
+            </a:ext>
+          </a:extLst>
+        </p:spPr>
+        <p:style>
+          <a:lnRef idx="2">
+            <a:schemeClr val="accent1">
+              <a:lumMod val="75000"/>
+            </a:schemeClr>
+          </a:lnRef>
+          <a:fillRef idx="1">
+            <a:schemeClr val="accent1"/>
+          </a:fillRef>
+          <a:effectRef idx="0">
+            <a:srgbClr val="FFFFFF"/>
+          </a:effectRef>
+          <a:fontRef idx="minor">
+            <a:schemeClr val="lt1"/>
+          </a:fontRef>
+        </p:style>
+        <p:txBody>
+          <a:bodyPr rtlCol="0" anchor="ctr"/>
+          <a:p>
+            <a:pPr algn="l"/>
+            <a:endParaRPr lang="en-US" altLang="zh-CN" sz="1200">
+              <a:solidFill>
+                <a:schemeClr val="tx1"/>
+              </a:solidFill>
+              <a:latin typeface="Times New Roman" panose="02020603050405020304" charset="0"/>
+              <a:cs typeface="Times New Roman" panose="02020603050405020304" charset="0"/>
+            </a:endParaRPr>
+          </a:p>
+        </p:txBody>
+      </p:sp>
+      <p:pic>
+        <p:nvPicPr>
+          <p:cNvPr id="10" name="图片 9" descr="泡菜"/>
+          <p:cNvPicPr>
+            <a:picLocks noChangeAspect="1"/>
+          </p:cNvPicPr>
+          <p:nvPr/>
+        </p:nvPicPr>
+        <p:blipFill>
+          <a:blip r:embed="rId8"/>
+          <a:stretch>
+            <a:fillRect/>
+          </a:stretch>
+        </p:blipFill>
+        <p:spPr>
+          <a:xfrm>
+            <a:off x="1214755" y="1043940"/>
+            <a:ext cx="180000" cy="180000"/>
+          </a:xfrm>
+          <a:prstGeom prst="rect">
+            <a:avLst/>
+          </a:prstGeom>
+        </p:spPr>
+      </p:pic>
+      <p:sp>
+        <p:nvSpPr>
+          <p:cNvPr id="25" name="圆角矩形 24"/>
+          <p:cNvSpPr/>
+          <p:nvPr/>
+        </p:nvSpPr>
+        <p:spPr>
+          <a:xfrm>
+            <a:off x="741680" y="1068070"/>
+            <a:ext cx="90000" cy="144000"/>
+          </a:xfrm>
+          <a:prstGeom prst="roundRect">
+            <a:avLst>
+              <a:gd name="adj" fmla="val 5087"/>
+            </a:avLst>
+          </a:prstGeom>
+          <a:noFill/>
+          <a:ln w="9525" cmpd="sng">
+            <a:solidFill>
+              <a:schemeClr val="tx1"/>
+            </a:solidFill>
+            <a:prstDash val="solid"/>
+          </a:ln>
+          <a:extLst>
+            <a:ext uri="{909E8E84-426E-40DD-AFC4-6F175D3DCCD1}">
+              <a14:hiddenFill xmlns:a14="http://schemas.microsoft.com/office/drawing/2010/main">
+                <a:solidFill>
+                  <a:schemeClr val="bg1"/>
+                </a:solidFill>
+              </a14:hiddenFill>
+            </a:ext>
+          </a:extLst>
+        </p:spPr>
+        <p:style>
+          <a:lnRef idx="2">
+            <a:schemeClr val="accent1">
+              <a:lumMod val="75000"/>
+            </a:schemeClr>
+          </a:lnRef>
+          <a:fillRef idx="1">
+            <a:schemeClr val="accent1"/>
+          </a:fillRef>
+          <a:effectRef idx="0">
+            <a:srgbClr val="FFFFFF"/>
+          </a:effectRef>
+          <a:fontRef idx="minor">
+            <a:schemeClr val="lt1"/>
+          </a:fontRef>
+        </p:style>
+        <p:txBody>
+          <a:bodyPr rtlCol="0" anchor="ctr"/>
+          <a:p>
+            <a:pPr algn="l"/>
+            <a:endParaRPr lang="en-US" altLang="zh-CN" sz="1200">
+              <a:solidFill>
+                <a:schemeClr val="tx1"/>
+              </a:solidFill>
+              <a:latin typeface="Times New Roman" panose="02020603050405020304" charset="0"/>
+              <a:cs typeface="Times New Roman" panose="02020603050405020304" charset="0"/>
+            </a:endParaRPr>
+          </a:p>
+        </p:txBody>
+      </p:sp>
+      <p:sp>
+        <p:nvSpPr>
+          <p:cNvPr id="26" name="圆角矩形 25"/>
+          <p:cNvSpPr/>
+          <p:nvPr/>
+        </p:nvSpPr>
+        <p:spPr>
+          <a:xfrm>
+            <a:off x="850900" y="1068705"/>
+            <a:ext cx="90000" cy="144000"/>
+          </a:xfrm>
+          <a:prstGeom prst="roundRect">
+            <a:avLst>
+              <a:gd name="adj" fmla="val 5087"/>
+            </a:avLst>
+          </a:prstGeom>
+          <a:noFill/>
+          <a:ln w="9525" cmpd="sng">
+            <a:solidFill>
+              <a:schemeClr val="tx1"/>
+            </a:solidFill>
+            <a:prstDash val="solid"/>
+          </a:ln>
+          <a:extLst>
+            <a:ext uri="{909E8E84-426E-40DD-AFC4-6F175D3DCCD1}">
+              <a14:hiddenFill xmlns:a14="http://schemas.microsoft.com/office/drawing/2010/main">
+                <a:solidFill>
+                  <a:schemeClr val="bg1"/>
+                </a:solidFill>
+              </a14:hiddenFill>
+            </a:ext>
+          </a:extLst>
+        </p:spPr>
+        <p:style>
+          <a:lnRef idx="2">
+            <a:schemeClr val="accent1">
+              <a:lumMod val="75000"/>
+            </a:schemeClr>
+          </a:lnRef>
+          <a:fillRef idx="1">
+            <a:schemeClr val="accent1"/>
+          </a:fillRef>
+          <a:effectRef idx="0">
+            <a:srgbClr val="FFFFFF"/>
+          </a:effectRef>
+          <a:fontRef idx="minor">
+            <a:schemeClr val="lt1"/>
+          </a:fontRef>
+        </p:style>
+        <p:txBody>
+          <a:bodyPr rtlCol="0" anchor="ctr"/>
+          <a:p>
+            <a:pPr algn="l"/>
+            <a:endParaRPr lang="en-US" altLang="zh-CN" sz="1200">
+              <a:solidFill>
+                <a:schemeClr val="tx1"/>
+              </a:solidFill>
+              <a:latin typeface="Times New Roman" panose="02020603050405020304" charset="0"/>
+              <a:cs typeface="Times New Roman" panose="02020603050405020304" charset="0"/>
+            </a:endParaRPr>
+          </a:p>
+        </p:txBody>
+      </p:sp>
+      <p:sp>
+        <p:nvSpPr>
+          <p:cNvPr id="40" name="圆角矩形 39"/>
+          <p:cNvSpPr/>
+          <p:nvPr/>
+        </p:nvSpPr>
+        <p:spPr>
+          <a:xfrm>
+            <a:off x="960120" y="1068070"/>
+            <a:ext cx="90000" cy="144000"/>
+          </a:xfrm>
+          <a:prstGeom prst="roundRect">
+            <a:avLst>
+              <a:gd name="adj" fmla="val 5087"/>
+            </a:avLst>
+          </a:prstGeom>
+          <a:noFill/>
+          <a:ln w="9525" cmpd="sng">
+            <a:solidFill>
+              <a:schemeClr val="tx1"/>
+            </a:solidFill>
+            <a:prstDash val="solid"/>
+          </a:ln>
+          <a:extLst>
+            <a:ext uri="{909E8E84-426E-40DD-AFC4-6F175D3DCCD1}">
+              <a14:hiddenFill xmlns:a14="http://schemas.microsoft.com/office/drawing/2010/main">
+                <a:solidFill>
+                  <a:schemeClr val="bg1"/>
+                </a:solidFill>
+              </a14:hiddenFill>
+            </a:ext>
+          </a:extLst>
+        </p:spPr>
+        <p:style>
+          <a:lnRef idx="2">
+            <a:schemeClr val="accent1">
+              <a:lumMod val="75000"/>
+            </a:schemeClr>
+          </a:lnRef>
+          <a:fillRef idx="1">
+            <a:schemeClr val="accent1"/>
+          </a:fillRef>
+          <a:effectRef idx="0">
+            <a:srgbClr val="FFFFFF"/>
+          </a:effectRef>
+          <a:fontRef idx="minor">
+            <a:schemeClr val="lt1"/>
+          </a:fontRef>
+        </p:style>
+        <p:txBody>
+          <a:bodyPr rtlCol="0" anchor="ctr"/>
+          <a:p>
+            <a:pPr algn="l"/>
+            <a:endParaRPr lang="en-US" altLang="zh-CN" sz="1200">
+              <a:solidFill>
+                <a:schemeClr val="tx1"/>
+              </a:solidFill>
+              <a:latin typeface="Times New Roman" panose="02020603050405020304" charset="0"/>
+              <a:cs typeface="Times New Roman" panose="02020603050405020304" charset="0"/>
+            </a:endParaRPr>
+          </a:p>
+        </p:txBody>
+      </p:sp>
+      <p:sp>
+        <p:nvSpPr>
+          <p:cNvPr id="41" name="圆角矩形 40"/>
+          <p:cNvSpPr/>
+          <p:nvPr/>
+        </p:nvSpPr>
+        <p:spPr>
+          <a:xfrm>
+            <a:off x="1069340" y="1068705"/>
+            <a:ext cx="90000" cy="144000"/>
+          </a:xfrm>
+          <a:prstGeom prst="roundRect">
+            <a:avLst>
+              <a:gd name="adj" fmla="val 5087"/>
+            </a:avLst>
+          </a:prstGeom>
+          <a:noFill/>
+          <a:ln w="9525" cmpd="sng">
+            <a:solidFill>
+              <a:schemeClr val="tx1"/>
+            </a:solidFill>
+            <a:prstDash val="solid"/>
+          </a:ln>
+          <a:extLst>
+            <a:ext uri="{909E8E84-426E-40DD-AFC4-6F175D3DCCD1}">
+              <a14:hiddenFill xmlns:a14="http://schemas.microsoft.com/office/drawing/2010/main">
+                <a:solidFill>
+                  <a:schemeClr val="bg1"/>
+                </a:solidFill>
+              </a14:hiddenFill>
+            </a:ext>
+          </a:extLst>
+        </p:spPr>
+        <p:style>
+          <a:lnRef idx="2">
+            <a:schemeClr val="accent1">
+              <a:lumMod val="75000"/>
+            </a:schemeClr>
+          </a:lnRef>
+          <a:fillRef idx="1">
+            <a:schemeClr val="accent1"/>
+          </a:fillRef>
+          <a:effectRef idx="0">
+            <a:srgbClr val="FFFFFF"/>
+          </a:effectRef>
+          <a:fontRef idx="minor">
+            <a:schemeClr val="lt1"/>
+          </a:fontRef>
+        </p:style>
+        <p:txBody>
+          <a:bodyPr rtlCol="0" anchor="ctr"/>
+          <a:p>
+            <a:pPr algn="l"/>
+            <a:endParaRPr lang="en-US" altLang="zh-CN" sz="1200">
+              <a:solidFill>
+                <a:schemeClr val="tx1"/>
+              </a:solidFill>
+              <a:latin typeface="Times New Roman" panose="02020603050405020304" charset="0"/>
+              <a:cs typeface="Times New Roman" panose="02020603050405020304" charset="0"/>
+            </a:endParaRPr>
+          </a:p>
+        </p:txBody>
+      </p:sp>
+      <p:pic>
+        <p:nvPicPr>
+          <p:cNvPr id="42" name="图片 41" descr="xiaotian"/>
+          <p:cNvPicPr>
+            <a:picLocks noChangeAspect="1"/>
+          </p:cNvPicPr>
+          <p:nvPr/>
+        </p:nvPicPr>
+        <p:blipFill>
+          <a:blip r:embed="rId9"/>
+          <a:stretch>
+            <a:fillRect/>
+          </a:stretch>
+        </p:blipFill>
+        <p:spPr>
+          <a:xfrm>
+            <a:off x="5594350" y="853440"/>
+            <a:ext cx="4087495" cy="3211195"/>
+          </a:xfrm>
+          <a:prstGeom prst="rect">
+            <a:avLst/>
+          </a:prstGeom>
+        </p:spPr>
+      </p:pic>
     </p:spTree>
   </p:cSld>
   <p:clrMapOvr>

--- a/7.img/绘图文件/draw.pptx
+++ b/7.img/绘图文件/draw.pptx
@@ -6,11 +6,12 @@
   </p:sldMasterIdLst>
   <p:sldIdLst>
     <p:sldId id="256" r:id="rId3"/>
+    <p:sldId id="257" r:id="rId4"/>
   </p:sldIdLst>
   <p:sldSz cx="12192000" cy="6858000"/>
   <p:notesSz cx="6858000" cy="9144000"/>
   <p:custDataLst>
-    <p:tags r:id="rId7"/>
+    <p:tags r:id="rId8"/>
   </p:custDataLst>
   <p:defaultTextStyle>
     <a:defPPr>
@@ -2925,7 +2926,7 @@
         </p:nvSpPr>
         <p:spPr>
           <a:xfrm>
-            <a:off x="676275" y="883920"/>
+            <a:off x="2931795" y="2795270"/>
             <a:ext cx="2395855" cy="1149350"/>
           </a:xfrm>
           <a:prstGeom prst="rect">
@@ -2978,15 +2979,15 @@
         </p:nvSpPr>
         <p:spPr>
           <a:xfrm>
-            <a:off x="645795" y="577850"/>
-            <a:ext cx="1689735" cy="275590"/>
+            <a:off x="2931795" y="2418080"/>
+            <a:ext cx="1689735" cy="278130"/>
           </a:xfrm>
           <a:prstGeom prst="rect">
             <a:avLst/>
           </a:prstGeom>
         </p:spPr>
         <p:txBody>
-          <a:bodyPr wrap="square">
+          <a:bodyPr wrap="square" lIns="46990" tIns="46990" rIns="46990" bIns="46990">
             <a:spAutoFit/>
           </a:bodyPr>
           <a:p>
@@ -3010,7 +3011,7 @@
                 <a:ea typeface="Calibri" panose="020F0502020204030204"/>
                 <a:cs typeface="Times New Roman" panose="02020603050405020304" charset="0"/>
               </a:rPr>
-              <a:t>296*128</a:t>
+              <a:t>296*128px</a:t>
             </a:r>
             <a:endParaRPr lang="en-US" altLang="zh-CN" sz="1200">
               <a:solidFill>
@@ -3031,8 +3032,8 @@
         </p:nvSpPr>
         <p:spPr>
           <a:xfrm>
-            <a:off x="2279650" y="1566545"/>
-            <a:ext cx="739775" cy="198120"/>
+            <a:off x="4740910" y="3415030"/>
+            <a:ext cx="557530" cy="198120"/>
           </a:xfrm>
           <a:prstGeom prst="roundRect">
             <a:avLst>
@@ -3040,7 +3041,7 @@
             </a:avLst>
           </a:prstGeom>
           <a:noFill/>
-          <a:ln w="12700" cmpd="sng">
+          <a:ln w="9525" cmpd="sng">
             <a:solidFill>
               <a:schemeClr val="tx1"/>
             </a:solidFill>
@@ -3073,7 +3074,7 @@
           </a:fontRef>
         </p:style>
         <p:txBody>
-          <a:bodyPr rtlCol="0" anchor="ctr"/>
+          <a:bodyPr lIns="0" tIns="0" rIns="0" bIns="0" rtlCol="0" anchor="ctr"/>
           <a:p>
             <a:pPr algn="l"/>
             <a:r>
@@ -3084,7 +3085,7 @@
                 <a:latin typeface="Times New Roman" panose="02020603050405020304" charset="0"/>
                 <a:cs typeface="Times New Roman" panose="02020603050405020304" charset="0"/>
               </a:rPr>
-              <a:t>Day:510</a:t>
+              <a:t>510</a:t>
             </a:r>
             <a:endParaRPr lang="en-US" altLang="zh-CN" sz="1200">
               <a:solidFill>
@@ -3112,7 +3113,7 @@
         </p:blipFill>
         <p:spPr>
           <a:xfrm>
-            <a:off x="2071370" y="1586865"/>
+            <a:off x="4532630" y="3435350"/>
             <a:ext cx="180000" cy="180000"/>
           </a:xfrm>
           <a:prstGeom prst="rect">
@@ -3128,7 +3129,7 @@
         </p:nvSpPr>
         <p:spPr>
           <a:xfrm>
-            <a:off x="704850" y="1287145"/>
+            <a:off x="2947035" y="3152775"/>
             <a:ext cx="504000" cy="198120"/>
           </a:xfrm>
           <a:prstGeom prst="roundRect">
@@ -3191,7 +3192,7 @@
         </p:nvSpPr>
         <p:spPr>
           <a:xfrm>
-            <a:off x="704850" y="1534795"/>
+            <a:off x="2947035" y="3400425"/>
             <a:ext cx="504000" cy="198120"/>
           </a:xfrm>
           <a:prstGeom prst="roundRect">
@@ -3246,30 +3247,6 @@
           </a:p>
         </p:txBody>
       </p:sp>
-      <p:pic>
-        <p:nvPicPr>
-          <p:cNvPr id="2" name="图片 1" descr="03多肉"/>
-          <p:cNvPicPr>
-            <a:picLocks noChangeAspect="1"/>
-          </p:cNvPicPr>
-          <p:nvPr/>
-        </p:nvPicPr>
-        <p:blipFill>
-          <a:blip r:embed="rId2"/>
-          <a:stretch>
-            <a:fillRect/>
-          </a:stretch>
-        </p:blipFill>
-        <p:spPr>
-          <a:xfrm>
-            <a:off x="605790" y="2788920"/>
-            <a:ext cx="180000" cy="180000"/>
-          </a:xfrm>
-          <a:prstGeom prst="rect">
-            <a:avLst/>
-          </a:prstGeom>
-        </p:spPr>
-      </p:pic>
       <p:sp>
         <p:nvSpPr>
           <p:cNvPr id="5" name="圆角矩形 4"/>
@@ -3278,8 +3255,8 @@
         </p:nvSpPr>
         <p:spPr>
           <a:xfrm>
-            <a:off x="2084705" y="1033780"/>
-            <a:ext cx="963930" cy="495300"/>
+            <a:off x="4534535" y="2882265"/>
+            <a:ext cx="769620" cy="495300"/>
           </a:xfrm>
           <a:prstGeom prst="roundRect">
             <a:avLst>
@@ -3287,7 +3264,7 @@
             </a:avLst>
           </a:prstGeom>
           <a:noFill/>
-          <a:ln w="12700" cmpd="sng">
+          <a:ln w="9525" cmpd="sng">
             <a:solidFill>
               <a:schemeClr val="tx1"/>
             </a:solidFill>
@@ -3320,7 +3297,7 @@
           </a:fontRef>
         </p:style>
         <p:txBody>
-          <a:bodyPr rtlCol="0" anchor="ctr"/>
+          <a:bodyPr lIns="0" tIns="0" rIns="0" bIns="0" rtlCol="0" anchor="ctr"/>
           <a:p>
             <a:pPr algn="ctr">
               <a:lnSpc>
@@ -3328,7 +3305,7 @@
               </a:lnSpc>
             </a:pPr>
             <a:r>
-              <a:rPr lang="en-US" altLang="zh-CN" sz="2400">
+              <a:rPr lang="en-US" altLang="zh-CN">
                 <a:solidFill>
                   <a:schemeClr val="tx1"/>
                 </a:solidFill>
@@ -3337,7 +3314,7 @@
               </a:rPr>
               <a:t>23:00</a:t>
             </a:r>
-            <a:endParaRPr lang="en-US" altLang="zh-CN" sz="2400">
+            <a:endParaRPr lang="en-US" altLang="zh-CN">
               <a:solidFill>
                 <a:schemeClr val="tx1"/>
               </a:solidFill>
@@ -3380,14 +3357,14 @@
           <p:nvPr/>
         </p:nvPicPr>
         <p:blipFill>
-          <a:blip r:embed="rId3"/>
+          <a:blip r:embed="rId2"/>
           <a:stretch>
             <a:fillRect/>
           </a:stretch>
         </p:blipFill>
         <p:spPr>
           <a:xfrm>
-            <a:off x="1227455" y="1782445"/>
+            <a:off x="3500120" y="3648075"/>
             <a:ext cx="180000" cy="180000"/>
           </a:xfrm>
           <a:prstGeom prst="rect">
@@ -3403,7 +3380,7 @@
         </p:nvSpPr>
         <p:spPr>
           <a:xfrm>
-            <a:off x="710565" y="1782445"/>
+            <a:off x="2952750" y="3648075"/>
             <a:ext cx="504000" cy="198120"/>
           </a:xfrm>
           <a:prstGeom prst="roundRect">
@@ -3467,6 +3444,30 @@
           <p:nvPr/>
         </p:nvPicPr>
         <p:blipFill>
+          <a:blip r:embed="rId3"/>
+          <a:stretch>
+            <a:fillRect/>
+          </a:stretch>
+        </p:blipFill>
+        <p:spPr>
+          <a:xfrm>
+            <a:off x="3487420" y="3392170"/>
+            <a:ext cx="180000" cy="180000"/>
+          </a:xfrm>
+          <a:prstGeom prst="rect">
+            <a:avLst/>
+          </a:prstGeom>
+        </p:spPr>
+      </p:pic>
+      <p:pic>
+        <p:nvPicPr>
+          <p:cNvPr id="19" name="图片 18" descr="海底捞logo_支付宝生活号"/>
+          <p:cNvPicPr>
+            <a:picLocks noChangeAspect="1"/>
+          </p:cNvPicPr>
+          <p:nvPr/>
+        </p:nvPicPr>
+        <p:blipFill>
           <a:blip r:embed="rId4"/>
           <a:stretch>
             <a:fillRect/>
@@ -3474,7 +3475,7 @@
         </p:blipFill>
         <p:spPr>
           <a:xfrm>
-            <a:off x="1214755" y="1526540"/>
+            <a:off x="4531995" y="3655695"/>
             <a:ext cx="180000" cy="180000"/>
           </a:xfrm>
           <a:prstGeom prst="rect">
@@ -3484,7 +3485,7 @@
       </p:pic>
       <p:pic>
         <p:nvPicPr>
-          <p:cNvPr id="17" name="图片 16" descr="四足机器人"/>
+          <p:cNvPr id="20" name="图片 19" descr="泡菜"/>
           <p:cNvPicPr>
             <a:picLocks noChangeAspect="1"/>
           </p:cNvPicPr>
@@ -3498,7 +3499,7 @@
         </p:blipFill>
         <p:spPr>
           <a:xfrm>
-            <a:off x="605790" y="2249170"/>
+            <a:off x="3487420" y="3157855"/>
             <a:ext cx="180000" cy="180000"/>
           </a:xfrm>
           <a:prstGeom prst="rect">
@@ -3506,78 +3507,6 @@
           </a:prstGeom>
         </p:spPr>
       </p:pic>
-      <p:pic>
-        <p:nvPicPr>
-          <p:cNvPr id="18" name="图片 17" descr="机器人"/>
-          <p:cNvPicPr>
-            <a:picLocks noChangeAspect="1"/>
-          </p:cNvPicPr>
-          <p:nvPr/>
-        </p:nvPicPr>
-        <p:blipFill>
-          <a:blip r:embed="rId6"/>
-          <a:stretch>
-            <a:fillRect/>
-          </a:stretch>
-        </p:blipFill>
-        <p:spPr>
-          <a:xfrm>
-            <a:off x="605790" y="2519045"/>
-            <a:ext cx="180000" cy="180000"/>
-          </a:xfrm>
-          <a:prstGeom prst="rect">
-            <a:avLst/>
-          </a:prstGeom>
-        </p:spPr>
-      </p:pic>
-      <p:pic>
-        <p:nvPicPr>
-          <p:cNvPr id="19" name="图片 18" descr="海底捞logo_支付宝生活号"/>
-          <p:cNvPicPr>
-            <a:picLocks noChangeAspect="1"/>
-          </p:cNvPicPr>
-          <p:nvPr/>
-        </p:nvPicPr>
-        <p:blipFill>
-          <a:blip r:embed="rId7"/>
-          <a:stretch>
-            <a:fillRect/>
-          </a:stretch>
-        </p:blipFill>
-        <p:spPr>
-          <a:xfrm>
-            <a:off x="2070735" y="1807210"/>
-            <a:ext cx="180000" cy="180000"/>
-          </a:xfrm>
-          <a:prstGeom prst="rect">
-            <a:avLst/>
-          </a:prstGeom>
-        </p:spPr>
-      </p:pic>
-      <p:pic>
-        <p:nvPicPr>
-          <p:cNvPr id="20" name="图片 19" descr="泡菜"/>
-          <p:cNvPicPr>
-            <a:picLocks noChangeAspect="1"/>
-          </p:cNvPicPr>
-          <p:nvPr/>
-        </p:nvPicPr>
-        <p:blipFill>
-          <a:blip r:embed="rId8"/>
-          <a:stretch>
-            <a:fillRect/>
-          </a:stretch>
-        </p:blipFill>
-        <p:spPr>
-          <a:xfrm>
-            <a:off x="1214755" y="1292225"/>
-            <a:ext cx="180000" cy="180000"/>
-          </a:xfrm>
-          <a:prstGeom prst="rect">
-            <a:avLst/>
-          </a:prstGeom>
-        </p:spPr>
-      </p:pic>
       <p:sp>
         <p:nvSpPr>
           <p:cNvPr id="21" name="圆角矩形 20"/>
@@ -3586,8 +3515,8 @@
         </p:nvSpPr>
         <p:spPr>
           <a:xfrm>
-            <a:off x="2279015" y="1795780"/>
-            <a:ext cx="739775" cy="198120"/>
+            <a:off x="4740275" y="3644265"/>
+            <a:ext cx="557530" cy="198120"/>
           </a:xfrm>
           <a:prstGeom prst="roundRect">
             <a:avLst>
@@ -3595,7 +3524,7 @@
             </a:avLst>
           </a:prstGeom>
           <a:noFill/>
-          <a:ln w="12700" cmpd="sng">
+          <a:ln w="9525" cmpd="sng">
             <a:solidFill>
               <a:schemeClr val="tx1"/>
             </a:solidFill>
@@ -3628,7 +3557,7 @@
           </a:fontRef>
         </p:style>
         <p:txBody>
-          <a:bodyPr rtlCol="0" anchor="ctr"/>
+          <a:bodyPr lIns="0" tIns="0" rIns="0" bIns="0" rtlCol="0" anchor="ctr"/>
           <a:p>
             <a:pPr algn="l"/>
             <a:r>
@@ -3639,7 +3568,7 @@
                 <a:latin typeface="Times New Roman" panose="02020603050405020304" charset="0"/>
                 <a:cs typeface="Times New Roman" panose="02020603050405020304" charset="0"/>
               </a:rPr>
-              <a:t>Day:3</a:t>
+              <a:t>3</a:t>
             </a:r>
             <a:endParaRPr lang="en-US" altLang="zh-CN" sz="1200">
               <a:solidFill>
@@ -3653,202 +3582,13 @@
       </p:sp>
       <p:sp>
         <p:nvSpPr>
-          <p:cNvPr id="22" name="圆角矩形 21"/>
-          <p:cNvSpPr/>
-          <p:nvPr/>
-        </p:nvSpPr>
-        <p:spPr>
-          <a:xfrm>
-            <a:off x="813435" y="2301875"/>
-            <a:ext cx="739775" cy="54000"/>
-          </a:xfrm>
-          <a:prstGeom prst="roundRect">
-            <a:avLst>
-              <a:gd name="adj" fmla="val 5087"/>
-            </a:avLst>
-          </a:prstGeom>
-          <a:noFill/>
-          <a:ln w="12700" cmpd="sng">
-            <a:solidFill>
-              <a:schemeClr val="tx1"/>
-            </a:solidFill>
-            <a:prstDash val="solid"/>
-          </a:ln>
-          <a:extLst>
-            <a:ext uri="{909E8E84-426E-40DD-AFC4-6F175D3DCCD1}">
-              <a14:hiddenFill xmlns:a14="http://schemas.microsoft.com/office/drawing/2010/main">
-                <a:solidFill>
-                  <a:schemeClr val="bg1"/>
-                </a:solidFill>
-              </a14:hiddenFill>
-            </a:ext>
-          </a:extLst>
-        </p:spPr>
-        <p:style>
-          <a:lnRef idx="2">
-            <a:schemeClr val="accent1">
-              <a:lumMod val="75000"/>
-            </a:schemeClr>
-          </a:lnRef>
-          <a:fillRef idx="1">
-            <a:schemeClr val="accent1"/>
-          </a:fillRef>
-          <a:effectRef idx="0">
-            <a:srgbClr val="FFFFFF"/>
-          </a:effectRef>
-          <a:fontRef idx="minor">
-            <a:schemeClr val="lt1"/>
-          </a:fontRef>
-        </p:style>
-        <p:txBody>
-          <a:bodyPr rtlCol="0" anchor="ctr"/>
-          <a:p>
-            <a:pPr algn="l"/>
-            <a:endParaRPr lang="en-US" altLang="zh-CN" sz="600">
-              <a:solidFill>
-                <a:schemeClr val="tx1"/>
-              </a:solidFill>
-              <a:latin typeface="Times New Roman" panose="02020603050405020304" charset="0"/>
-              <a:cs typeface="Times New Roman" panose="02020603050405020304" charset="0"/>
-            </a:endParaRPr>
-          </a:p>
-        </p:txBody>
-      </p:sp>
-      <p:sp>
-        <p:nvSpPr>
-          <p:cNvPr id="23" name="圆角矩形 22"/>
-          <p:cNvSpPr/>
-          <p:nvPr/>
-        </p:nvSpPr>
-        <p:spPr>
-          <a:xfrm>
-            <a:off x="813435" y="2581910"/>
-            <a:ext cx="739775" cy="54000"/>
-          </a:xfrm>
-          <a:prstGeom prst="roundRect">
-            <a:avLst>
-              <a:gd name="adj" fmla="val 5087"/>
-            </a:avLst>
-          </a:prstGeom>
-          <a:noFill/>
-          <a:ln w="12700" cmpd="sng">
-            <a:solidFill>
-              <a:schemeClr val="tx1"/>
-            </a:solidFill>
-            <a:prstDash val="solid"/>
-          </a:ln>
-          <a:extLst>
-            <a:ext uri="{909E8E84-426E-40DD-AFC4-6F175D3DCCD1}">
-              <a14:hiddenFill xmlns:a14="http://schemas.microsoft.com/office/drawing/2010/main">
-                <a:solidFill>
-                  <a:schemeClr val="bg1"/>
-                </a:solidFill>
-              </a14:hiddenFill>
-            </a:ext>
-          </a:extLst>
-        </p:spPr>
-        <p:style>
-          <a:lnRef idx="2">
-            <a:schemeClr val="accent1">
-              <a:lumMod val="75000"/>
-            </a:schemeClr>
-          </a:lnRef>
-          <a:fillRef idx="1">
-            <a:schemeClr val="accent1"/>
-          </a:fillRef>
-          <a:effectRef idx="0">
-            <a:srgbClr val="FFFFFF"/>
-          </a:effectRef>
-          <a:fontRef idx="minor">
-            <a:schemeClr val="lt1"/>
-          </a:fontRef>
-        </p:style>
-        <p:txBody>
-          <a:bodyPr rtlCol="0" anchor="ctr"/>
-          <a:p>
-            <a:pPr algn="l"/>
-            <a:endParaRPr lang="en-US" altLang="zh-CN" sz="600">
-              <a:solidFill>
-                <a:schemeClr val="tx1"/>
-              </a:solidFill>
-              <a:latin typeface="Times New Roman" panose="02020603050405020304" charset="0"/>
-              <a:cs typeface="Times New Roman" panose="02020603050405020304" charset="0"/>
-            </a:endParaRPr>
-          </a:p>
-        </p:txBody>
-      </p:sp>
-      <p:sp>
-        <p:nvSpPr>
-          <p:cNvPr id="24" name="圆角矩形 23"/>
-          <p:cNvSpPr/>
-          <p:nvPr/>
-        </p:nvSpPr>
-        <p:spPr>
-          <a:xfrm>
-            <a:off x="813435" y="2854960"/>
-            <a:ext cx="739775" cy="54000"/>
-          </a:xfrm>
-          <a:prstGeom prst="roundRect">
-            <a:avLst>
-              <a:gd name="adj" fmla="val 5087"/>
-            </a:avLst>
-          </a:prstGeom>
-          <a:noFill/>
-          <a:ln w="12700" cmpd="sng">
-            <a:solidFill>
-              <a:schemeClr val="tx1"/>
-            </a:solidFill>
-            <a:prstDash val="solid"/>
-          </a:ln>
-          <a:extLst>
-            <a:ext uri="{909E8E84-426E-40DD-AFC4-6F175D3DCCD1}">
-              <a14:hiddenFill xmlns:a14="http://schemas.microsoft.com/office/drawing/2010/main">
-                <a:solidFill>
-                  <a:schemeClr val="bg1"/>
-                </a:solidFill>
-              </a14:hiddenFill>
-            </a:ext>
-          </a:extLst>
-        </p:spPr>
-        <p:style>
-          <a:lnRef idx="2">
-            <a:schemeClr val="accent1">
-              <a:lumMod val="75000"/>
-            </a:schemeClr>
-          </a:lnRef>
-          <a:fillRef idx="1">
-            <a:schemeClr val="accent1"/>
-          </a:fillRef>
-          <a:effectRef idx="0">
-            <a:srgbClr val="FFFFFF"/>
-          </a:effectRef>
-          <a:fontRef idx="minor">
-            <a:schemeClr val="lt1"/>
-          </a:fontRef>
-        </p:style>
-        <p:txBody>
-          <a:bodyPr rtlCol="0" anchor="ctr"/>
-          <a:p>
-            <a:pPr algn="l"/>
-            <a:endParaRPr lang="en-US" altLang="zh-CN" sz="600">
-              <a:solidFill>
-                <a:schemeClr val="tx1"/>
-              </a:solidFill>
-              <a:latin typeface="Times New Roman" panose="02020603050405020304" charset="0"/>
-              <a:cs typeface="Times New Roman" panose="02020603050405020304" charset="0"/>
-            </a:endParaRPr>
-          </a:p>
-        </p:txBody>
-      </p:sp>
-      <p:sp>
-        <p:nvSpPr>
           <p:cNvPr id="27" name="圆角矩形 26"/>
           <p:cNvSpPr/>
           <p:nvPr/>
         </p:nvSpPr>
         <p:spPr>
           <a:xfrm>
-            <a:off x="741680" y="1807210"/>
+            <a:off x="2983865" y="3672840"/>
             <a:ext cx="72000" cy="144000"/>
           </a:xfrm>
           <a:prstGeom prst="roundRect">
@@ -3913,7 +3653,7 @@
         </p:nvSpPr>
         <p:spPr>
           <a:xfrm>
-            <a:off x="833120" y="1807210"/>
+            <a:off x="3075305" y="3672840"/>
             <a:ext cx="72000" cy="144000"/>
           </a:xfrm>
           <a:prstGeom prst="roundRect">
@@ -3978,7 +3718,7 @@
         </p:nvSpPr>
         <p:spPr>
           <a:xfrm>
-            <a:off x="924560" y="1807210"/>
+            <a:off x="3166745" y="3672840"/>
             <a:ext cx="72000" cy="144000"/>
           </a:xfrm>
           <a:prstGeom prst="roundRect">
@@ -4043,7 +3783,7 @@
         </p:nvSpPr>
         <p:spPr>
           <a:xfrm>
-            <a:off x="1016000" y="1807210"/>
+            <a:off x="3258185" y="3672840"/>
             <a:ext cx="72000" cy="144000"/>
           </a:xfrm>
           <a:prstGeom prst="roundRect">
@@ -4108,7 +3848,7 @@
         </p:nvSpPr>
         <p:spPr>
           <a:xfrm>
-            <a:off x="1107440" y="1807210"/>
+            <a:off x="3349625" y="3672840"/>
             <a:ext cx="72000" cy="144000"/>
           </a:xfrm>
           <a:prstGeom prst="roundRect">
@@ -4171,7 +3911,7 @@
         </p:nvSpPr>
         <p:spPr>
           <a:xfrm>
-            <a:off x="741680" y="1561465"/>
+            <a:off x="2983865" y="3427095"/>
             <a:ext cx="90000" cy="144000"/>
           </a:xfrm>
           <a:prstGeom prst="roundRect">
@@ -4236,7 +3976,7 @@
         </p:nvSpPr>
         <p:spPr>
           <a:xfrm>
-            <a:off x="850900" y="1562100"/>
+            <a:off x="3093085" y="3427730"/>
             <a:ext cx="90000" cy="144000"/>
           </a:xfrm>
           <a:prstGeom prst="roundRect">
@@ -4301,7 +4041,7 @@
         </p:nvSpPr>
         <p:spPr>
           <a:xfrm>
-            <a:off x="960120" y="1561465"/>
+            <a:off x="3202305" y="3427095"/>
             <a:ext cx="90000" cy="144000"/>
           </a:xfrm>
           <a:prstGeom prst="roundRect">
@@ -4366,7 +4106,7 @@
         </p:nvSpPr>
         <p:spPr>
           <a:xfrm>
-            <a:off x="1069340" y="1562100"/>
+            <a:off x="3311525" y="3427730"/>
             <a:ext cx="90000" cy="144000"/>
           </a:xfrm>
           <a:prstGeom prst="roundRect">
@@ -4429,7 +4169,7 @@
         </p:nvSpPr>
         <p:spPr>
           <a:xfrm>
-            <a:off x="741680" y="1316355"/>
+            <a:off x="2983865" y="3181985"/>
             <a:ext cx="90000" cy="144000"/>
           </a:xfrm>
           <a:prstGeom prst="roundRect">
@@ -4492,7 +4232,7 @@
         </p:nvSpPr>
         <p:spPr>
           <a:xfrm>
-            <a:off x="850900" y="1316990"/>
+            <a:off x="3093085" y="3182620"/>
             <a:ext cx="90000" cy="144000"/>
           </a:xfrm>
           <a:prstGeom prst="roundRect">
@@ -4555,7 +4295,7 @@
         </p:nvSpPr>
         <p:spPr>
           <a:xfrm>
-            <a:off x="960120" y="1316355"/>
+            <a:off x="3202305" y="3181985"/>
             <a:ext cx="90000" cy="144000"/>
           </a:xfrm>
           <a:prstGeom prst="roundRect">
@@ -4618,7 +4358,7 @@
         </p:nvSpPr>
         <p:spPr>
           <a:xfrm>
-            <a:off x="1069340" y="1316990"/>
+            <a:off x="3311525" y="3182620"/>
             <a:ext cx="90000" cy="144000"/>
           </a:xfrm>
           <a:prstGeom prst="roundRect">
@@ -4681,7 +4421,7 @@
         </p:nvSpPr>
         <p:spPr>
           <a:xfrm>
-            <a:off x="704850" y="1038860"/>
+            <a:off x="2947035" y="2904490"/>
             <a:ext cx="504000" cy="198120"/>
           </a:xfrm>
           <a:prstGeom prst="roundRect">
@@ -4736,30 +4476,6 @@
           </a:p>
         </p:txBody>
       </p:sp>
-      <p:pic>
-        <p:nvPicPr>
-          <p:cNvPr id="10" name="图片 9" descr="泡菜"/>
-          <p:cNvPicPr>
-            <a:picLocks noChangeAspect="1"/>
-          </p:cNvPicPr>
-          <p:nvPr/>
-        </p:nvPicPr>
-        <p:blipFill>
-          <a:blip r:embed="rId8"/>
-          <a:stretch>
-            <a:fillRect/>
-          </a:stretch>
-        </p:blipFill>
-        <p:spPr>
-          <a:xfrm>
-            <a:off x="1214755" y="1043940"/>
-            <a:ext cx="180000" cy="180000"/>
-          </a:xfrm>
-          <a:prstGeom prst="rect">
-            <a:avLst/>
-          </a:prstGeom>
-        </p:spPr>
-      </p:pic>
       <p:sp>
         <p:nvSpPr>
           <p:cNvPr id="25" name="圆角矩形 24"/>
@@ -4768,7 +4484,7 @@
         </p:nvSpPr>
         <p:spPr>
           <a:xfrm>
-            <a:off x="741680" y="1068070"/>
+            <a:off x="2983865" y="2933700"/>
             <a:ext cx="90000" cy="144000"/>
           </a:xfrm>
           <a:prstGeom prst="roundRect">
@@ -4831,7 +4547,7 @@
         </p:nvSpPr>
         <p:spPr>
           <a:xfrm>
-            <a:off x="850900" y="1068705"/>
+            <a:off x="3093085" y="2934335"/>
             <a:ext cx="90000" cy="144000"/>
           </a:xfrm>
           <a:prstGeom prst="roundRect">
@@ -4894,7 +4610,7 @@
         </p:nvSpPr>
         <p:spPr>
           <a:xfrm>
-            <a:off x="960120" y="1068070"/>
+            <a:off x="3202305" y="2933700"/>
             <a:ext cx="90000" cy="144000"/>
           </a:xfrm>
           <a:prstGeom prst="roundRect">
@@ -4957,7 +4673,7 @@
         </p:nvSpPr>
         <p:spPr>
           <a:xfrm>
-            <a:off x="1069340" y="1068705"/>
+            <a:off x="3311525" y="2934335"/>
             <a:ext cx="90000" cy="144000"/>
           </a:xfrm>
           <a:prstGeom prst="roundRect">
@@ -5021,14 +4737,14 @@
           <p:nvPr/>
         </p:nvPicPr>
         <p:blipFill>
-          <a:blip r:embed="rId9"/>
+          <a:blip r:embed="rId6"/>
           <a:stretch>
             <a:fillRect/>
           </a:stretch>
         </p:blipFill>
         <p:spPr>
           <a:xfrm>
-            <a:off x="5594350" y="853440"/>
+            <a:off x="5952490" y="1758950"/>
             <a:ext cx="4087495" cy="3211195"/>
           </a:xfrm>
           <a:prstGeom prst="rect">
@@ -5036,6 +4752,1097 @@
           </a:prstGeom>
         </p:spPr>
       </p:pic>
+      <p:sp>
+        <p:nvSpPr>
+          <p:cNvPr id="3" name="圆角矩形 2"/>
+          <p:cNvSpPr/>
+          <p:nvPr/>
+        </p:nvSpPr>
+        <p:spPr>
+          <a:xfrm>
+            <a:off x="3699510" y="2882900"/>
+            <a:ext cx="812165" cy="963295"/>
+          </a:xfrm>
+          <a:prstGeom prst="roundRect">
+            <a:avLst>
+              <a:gd name="adj" fmla="val 5087"/>
+            </a:avLst>
+          </a:prstGeom>
+          <a:noFill/>
+          <a:ln w="9525" cmpd="sng">
+            <a:solidFill>
+              <a:schemeClr val="tx1"/>
+            </a:solidFill>
+            <a:prstDash val="solid"/>
+          </a:ln>
+          <a:extLst>
+            <a:ext uri="{909E8E84-426E-40DD-AFC4-6F175D3DCCD1}">
+              <a14:hiddenFill xmlns:a14="http://schemas.microsoft.com/office/drawing/2010/main">
+                <a:solidFill>
+                  <a:schemeClr val="bg1"/>
+                </a:solidFill>
+              </a14:hiddenFill>
+            </a:ext>
+          </a:extLst>
+        </p:spPr>
+        <p:style>
+          <a:lnRef idx="2">
+            <a:schemeClr val="accent1">
+              <a:lumMod val="75000"/>
+            </a:schemeClr>
+          </a:lnRef>
+          <a:fillRef idx="1">
+            <a:schemeClr val="accent1"/>
+          </a:fillRef>
+          <a:effectRef idx="0">
+            <a:srgbClr val="FFFFFF"/>
+          </a:effectRef>
+          <a:fontRef idx="minor">
+            <a:schemeClr val="lt1"/>
+          </a:fontRef>
+        </p:style>
+        <p:txBody>
+          <a:bodyPr lIns="0" tIns="0" rIns="0" bIns="0" rtlCol="0" anchor="ctr"/>
+          <a:p>
+            <a:pPr algn="ctr">
+              <a:lnSpc>
+                <a:spcPct val="80000"/>
+              </a:lnSpc>
+            </a:pPr>
+            <a:r>
+              <a:rPr lang="zh-CN" altLang="en-US" sz="1600">
+                <a:solidFill>
+                  <a:schemeClr val="tx1"/>
+                </a:solidFill>
+                <a:latin typeface="Times New Roman" panose="02020603050405020304" charset="0"/>
+                <a:cs typeface="Times New Roman" panose="02020603050405020304" charset="0"/>
+              </a:rPr>
+              <a:t>主图</a:t>
+            </a:r>
+            <a:endParaRPr lang="zh-CN" altLang="en-US" sz="1600">
+              <a:solidFill>
+                <a:schemeClr val="tx1"/>
+              </a:solidFill>
+              <a:latin typeface="Times New Roman" panose="02020603050405020304" charset="0"/>
+              <a:cs typeface="Times New Roman" panose="02020603050405020304" charset="0"/>
+            </a:endParaRPr>
+          </a:p>
+          <a:p>
+            <a:pPr algn="ctr">
+              <a:lnSpc>
+                <a:spcPct val="80000"/>
+              </a:lnSpc>
+            </a:pPr>
+            <a:r>
+              <a:rPr lang="en-US" altLang="zh-CN" sz="1600">
+                <a:solidFill>
+                  <a:schemeClr val="tx1"/>
+                </a:solidFill>
+                <a:latin typeface="Times New Roman" panose="02020603050405020304" charset="0"/>
+                <a:cs typeface="Times New Roman" panose="02020603050405020304" charset="0"/>
+              </a:rPr>
+              <a:t>100*128</a:t>
+            </a:r>
+            <a:endParaRPr lang="en-US" altLang="zh-CN" sz="1600">
+              <a:solidFill>
+                <a:schemeClr val="tx1"/>
+              </a:solidFill>
+              <a:latin typeface="Times New Roman" panose="02020603050405020304" charset="0"/>
+              <a:cs typeface="Times New Roman" panose="02020603050405020304" charset="0"/>
+            </a:endParaRPr>
+          </a:p>
+        </p:txBody>
+      </p:sp>
+      <p:cxnSp>
+        <p:nvCxnSpPr>
+          <p:cNvPr id="14" name="直接箭头连接符 13"/>
+          <p:cNvCxnSpPr/>
+          <p:nvPr/>
+        </p:nvCxnSpPr>
+        <p:spPr>
+          <a:xfrm>
+            <a:off x="2849880" y="2711450"/>
+            <a:ext cx="726440" cy="5080"/>
+          </a:xfrm>
+          <a:prstGeom prst="straightConnector1">
+            <a:avLst/>
+          </a:prstGeom>
+          <a:ln>
+            <a:solidFill>
+              <a:srgbClr val="FF0000"/>
+            </a:solidFill>
+            <a:headEnd type="none"/>
+            <a:tailEnd type="triangle" w="med" len="med"/>
+          </a:ln>
+        </p:spPr>
+        <p:style>
+          <a:lnRef idx="2">
+            <a:schemeClr val="accent1"/>
+          </a:lnRef>
+          <a:fillRef idx="0">
+            <a:srgbClr val="FFFFFF"/>
+          </a:fillRef>
+          <a:effectRef idx="0">
+            <a:srgbClr val="FFFFFF"/>
+          </a:effectRef>
+          <a:fontRef idx="minor">
+            <a:schemeClr val="tx1"/>
+          </a:fontRef>
+        </p:style>
+      </p:cxnSp>
+      <p:cxnSp>
+        <p:nvCxnSpPr>
+          <p:cNvPr id="44" name="直接箭头连接符 43"/>
+          <p:cNvCxnSpPr/>
+          <p:nvPr/>
+        </p:nvCxnSpPr>
+        <p:spPr>
+          <a:xfrm flipH="1">
+            <a:off x="2849880" y="2706370"/>
+            <a:ext cx="5080" cy="670560"/>
+          </a:xfrm>
+          <a:prstGeom prst="straightConnector1">
+            <a:avLst/>
+          </a:prstGeom>
+          <a:ln>
+            <a:solidFill>
+              <a:srgbClr val="00B050"/>
+            </a:solidFill>
+            <a:headEnd type="none"/>
+            <a:tailEnd type="triangle" w="med" len="med"/>
+          </a:ln>
+        </p:spPr>
+        <p:style>
+          <a:lnRef idx="2">
+            <a:schemeClr val="accent1"/>
+          </a:lnRef>
+          <a:fillRef idx="0">
+            <a:srgbClr val="FFFFFF"/>
+          </a:fillRef>
+          <a:effectRef idx="0">
+            <a:srgbClr val="FFFFFF"/>
+          </a:effectRef>
+          <a:fontRef idx="minor">
+            <a:schemeClr val="tx1"/>
+          </a:fontRef>
+        </p:style>
+      </p:cxnSp>
+      <p:sp>
+        <p:nvSpPr>
+          <p:cNvPr id="45" name="文本框 44"/>
+          <p:cNvSpPr txBox="1"/>
+          <p:nvPr/>
+        </p:nvSpPr>
+        <p:spPr>
+          <a:xfrm>
+            <a:off x="3556000" y="2611120"/>
+            <a:ext cx="237490" cy="184150"/>
+          </a:xfrm>
+          <a:prstGeom prst="rect">
+            <a:avLst/>
+          </a:prstGeom>
+        </p:spPr>
+        <p:txBody>
+          <a:bodyPr wrap="square" lIns="0" tIns="0" rIns="0" bIns="0">
+            <a:spAutoFit/>
+          </a:bodyPr>
+          <a:p>
+            <a:pPr algn="ctr"/>
+            <a:r>
+              <a:rPr lang="en-US" sz="1200">
+                <a:solidFill>
+                  <a:srgbClr val="FF0000"/>
+                </a:solidFill>
+                <a:latin typeface="Times New Roman" panose="02020603050405020304" charset="0"/>
+                <a:ea typeface="Calibri" panose="020F0502020204030204"/>
+                <a:cs typeface="Times New Roman" panose="02020603050405020304" charset="0"/>
+              </a:rPr>
+              <a:t>x</a:t>
+            </a:r>
+            <a:endParaRPr lang="en-US" sz="1200">
+              <a:solidFill>
+                <a:srgbClr val="FF0000"/>
+              </a:solidFill>
+              <a:latin typeface="Times New Roman" panose="02020603050405020304" charset="0"/>
+              <a:ea typeface="Calibri" panose="020F0502020204030204"/>
+              <a:cs typeface="Times New Roman" panose="02020603050405020304" charset="0"/>
+            </a:endParaRPr>
+          </a:p>
+        </p:txBody>
+      </p:sp>
+      <p:sp>
+        <p:nvSpPr>
+          <p:cNvPr id="46" name="文本框 45"/>
+          <p:cNvSpPr txBox="1"/>
+          <p:nvPr/>
+        </p:nvSpPr>
+        <p:spPr>
+          <a:xfrm>
+            <a:off x="2726690" y="3377565"/>
+            <a:ext cx="237490" cy="184150"/>
+          </a:xfrm>
+          <a:prstGeom prst="rect">
+            <a:avLst/>
+          </a:prstGeom>
+        </p:spPr>
+        <p:txBody>
+          <a:bodyPr wrap="square" lIns="0" tIns="0" rIns="0" bIns="0">
+            <a:spAutoFit/>
+          </a:bodyPr>
+          <a:p>
+            <a:pPr algn="ctr"/>
+            <a:r>
+              <a:rPr lang="en-US" sz="1200">
+                <a:solidFill>
+                  <a:srgbClr val="00B050"/>
+                </a:solidFill>
+                <a:latin typeface="Times New Roman" panose="02020603050405020304" charset="0"/>
+                <a:ea typeface="Calibri" panose="020F0502020204030204"/>
+                <a:cs typeface="Times New Roman" panose="02020603050405020304" charset="0"/>
+              </a:rPr>
+              <a:t>y</a:t>
+            </a:r>
+            <a:endParaRPr lang="en-US" sz="1200">
+              <a:solidFill>
+                <a:srgbClr val="00B050"/>
+              </a:solidFill>
+              <a:latin typeface="Times New Roman" panose="02020603050405020304" charset="0"/>
+              <a:ea typeface="Calibri" panose="020F0502020204030204"/>
+              <a:cs typeface="Times New Roman" panose="02020603050405020304" charset="0"/>
+            </a:endParaRPr>
+          </a:p>
+        </p:txBody>
+      </p:sp>
+      <p:sp>
+        <p:nvSpPr>
+          <p:cNvPr id="47" name="圆角矩形 46"/>
+          <p:cNvSpPr/>
+          <p:nvPr/>
+        </p:nvSpPr>
+        <p:spPr>
+          <a:xfrm>
+            <a:off x="3467100" y="2907030"/>
+            <a:ext cx="212725" cy="198120"/>
+          </a:xfrm>
+          <a:prstGeom prst="roundRect">
+            <a:avLst>
+              <a:gd name="adj" fmla="val 5087"/>
+            </a:avLst>
+          </a:prstGeom>
+          <a:noFill/>
+          <a:ln w="9525" cmpd="sng">
+            <a:solidFill>
+              <a:schemeClr val="tx1"/>
+            </a:solidFill>
+            <a:prstDash val="solid"/>
+          </a:ln>
+          <a:extLst>
+            <a:ext uri="{909E8E84-426E-40DD-AFC4-6F175D3DCCD1}">
+              <a14:hiddenFill xmlns:a14="http://schemas.microsoft.com/office/drawing/2010/main">
+                <a:solidFill>
+                  <a:schemeClr val="bg1"/>
+                </a:solidFill>
+              </a14:hiddenFill>
+            </a:ext>
+          </a:extLst>
+        </p:spPr>
+        <p:style>
+          <a:lnRef idx="2">
+            <a:schemeClr val="accent1">
+              <a:lumMod val="75000"/>
+            </a:schemeClr>
+          </a:lnRef>
+          <a:fillRef idx="1">
+            <a:schemeClr val="accent1"/>
+          </a:fillRef>
+          <a:effectRef idx="0">
+            <a:srgbClr val="FFFFFF"/>
+          </a:effectRef>
+          <a:fontRef idx="minor">
+            <a:schemeClr val="lt1"/>
+          </a:fontRef>
+        </p:style>
+        <p:txBody>
+          <a:bodyPr lIns="0" tIns="0" rIns="0" bIns="0" rtlCol="0" anchor="ctr"/>
+          <a:p>
+            <a:pPr algn="ctr"/>
+            <a:r>
+              <a:rPr lang="zh-CN" altLang="en-US" sz="500" b="1">
+                <a:solidFill>
+                  <a:schemeClr val="tx1"/>
+                </a:solidFill>
+                <a:latin typeface="Times New Roman" panose="02020603050405020304" charset="0"/>
+                <a:cs typeface="Times New Roman" panose="02020603050405020304" charset="0"/>
+              </a:rPr>
+              <a:t>小图标</a:t>
+            </a:r>
+            <a:endParaRPr lang="zh-CN" altLang="en-US" sz="500" b="1">
+              <a:solidFill>
+                <a:schemeClr val="tx1"/>
+              </a:solidFill>
+              <a:latin typeface="Times New Roman" panose="02020603050405020304" charset="0"/>
+              <a:cs typeface="Times New Roman" panose="02020603050405020304" charset="0"/>
+            </a:endParaRPr>
+          </a:p>
+          <a:p>
+            <a:pPr algn="ctr"/>
+            <a:r>
+              <a:rPr lang="en-US" altLang="zh-CN" sz="500" b="1">
+                <a:solidFill>
+                  <a:schemeClr val="tx1"/>
+                </a:solidFill>
+                <a:latin typeface="Times New Roman" panose="02020603050405020304" charset="0"/>
+                <a:cs typeface="Times New Roman" panose="02020603050405020304" charset="0"/>
+              </a:rPr>
+              <a:t>32*32</a:t>
+            </a:r>
+            <a:endParaRPr lang="en-US" altLang="zh-CN" sz="500" b="1">
+              <a:solidFill>
+                <a:schemeClr val="tx1"/>
+              </a:solidFill>
+              <a:latin typeface="Times New Roman" panose="02020603050405020304" charset="0"/>
+              <a:cs typeface="Times New Roman" panose="02020603050405020304" charset="0"/>
+            </a:endParaRPr>
+          </a:p>
+        </p:txBody>
+      </p:sp>
+    </p:spTree>
+  </p:cSld>
+  <p:clrMapOvr>
+    <a:masterClrMapping/>
+  </p:clrMapOvr>
+</p:sld>
+</file>
+
+<file path=ppt/slides/slide2.xml><?xml version="1.0" encoding="utf-8"?>
+<p:sld xmlns:a="http://schemas.openxmlformats.org/drawingml/2006/main" xmlns:r="http://schemas.openxmlformats.org/officeDocument/2006/relationships" xmlns:p="http://schemas.openxmlformats.org/presentationml/2006/main">
+  <p:cSld>
+    <p:spTree>
+      <p:nvGrpSpPr>
+        <p:cNvPr id="1" name=""/>
+        <p:cNvGrpSpPr/>
+        <p:nvPr/>
+      </p:nvGrpSpPr>
+      <p:grpSpPr/>
+      <p:pic>
+        <p:nvPicPr>
+          <p:cNvPr id="4" name="图片 3"/>
+          <p:cNvPicPr>
+            <a:picLocks noChangeAspect="1"/>
+          </p:cNvPicPr>
+          <p:nvPr/>
+        </p:nvPicPr>
+        <p:blipFill>
+          <a:blip r:embed="rId1"/>
+          <a:stretch>
+            <a:fillRect/>
+          </a:stretch>
+        </p:blipFill>
+        <p:spPr>
+          <a:xfrm>
+            <a:off x="2037715" y="1042670"/>
+            <a:ext cx="4011295" cy="1765300"/>
+          </a:xfrm>
+          <a:prstGeom prst="rect">
+            <a:avLst/>
+          </a:prstGeom>
+        </p:spPr>
+      </p:pic>
+      <p:pic>
+        <p:nvPicPr>
+          <p:cNvPr id="5" name="图片 4"/>
+          <p:cNvPicPr>
+            <a:picLocks noChangeAspect="1"/>
+          </p:cNvPicPr>
+          <p:nvPr/>
+        </p:nvPicPr>
+        <p:blipFill>
+          <a:blip r:embed="rId2"/>
+          <a:stretch>
+            <a:fillRect/>
+          </a:stretch>
+        </p:blipFill>
+        <p:spPr>
+          <a:xfrm>
+            <a:off x="6049010" y="1042670"/>
+            <a:ext cx="3954145" cy="1765300"/>
+          </a:xfrm>
+          <a:prstGeom prst="rect">
+            <a:avLst/>
+          </a:prstGeom>
+        </p:spPr>
+      </p:pic>
+      <p:sp>
+        <p:nvSpPr>
+          <p:cNvPr id="6" name="文本框 5"/>
+          <p:cNvSpPr txBox="1"/>
+          <p:nvPr/>
+        </p:nvSpPr>
+        <p:spPr>
+          <a:xfrm>
+            <a:off x="2423160" y="754380"/>
+            <a:ext cx="824865" cy="232410"/>
+          </a:xfrm>
+          <a:prstGeom prst="rect">
+            <a:avLst/>
+          </a:prstGeom>
+        </p:spPr>
+        <p:txBody>
+          <a:bodyPr wrap="square" lIns="46990" tIns="46990" rIns="46990" bIns="46990">
+            <a:spAutoFit/>
+          </a:bodyPr>
+          <a:p>
+            <a:pPr algn="ctr"/>
+            <a:r>
+              <a:rPr lang="en-US" altLang="zh-CN" sz="900" b="1">
+                <a:solidFill>
+                  <a:srgbClr val="FF0000"/>
+                </a:solidFill>
+                <a:latin typeface="Times New Roman" panose="02020603050405020304" charset="0"/>
+                <a:ea typeface="Calibri" panose="020F0502020204030204"/>
+                <a:cs typeface="Times New Roman" panose="02020603050405020304" charset="0"/>
+              </a:rPr>
+              <a:t>1.</a:t>
+            </a:r>
+            <a:r>
+              <a:rPr lang="zh-CN" altLang="en-US" sz="900" b="1">
+                <a:solidFill>
+                  <a:srgbClr val="FF0000"/>
+                </a:solidFill>
+                <a:latin typeface="Times New Roman" panose="02020603050405020304" charset="0"/>
+                <a:ea typeface="Calibri" panose="020F0502020204030204"/>
+                <a:cs typeface="Times New Roman" panose="02020603050405020304" charset="0"/>
+              </a:rPr>
+              <a:t>导入图片</a:t>
+            </a:r>
+            <a:endParaRPr lang="zh-CN" altLang="en-US" sz="900" b="1">
+              <a:solidFill>
+                <a:srgbClr val="FF0000"/>
+              </a:solidFill>
+              <a:latin typeface="Times New Roman" panose="02020603050405020304" charset="0"/>
+              <a:ea typeface="Calibri" panose="020F0502020204030204"/>
+              <a:cs typeface="Times New Roman" panose="02020603050405020304" charset="0"/>
+            </a:endParaRPr>
+          </a:p>
+        </p:txBody>
+      </p:sp>
+      <p:sp>
+        <p:nvSpPr>
+          <p:cNvPr id="7" name="文本框 6"/>
+          <p:cNvSpPr txBox="1"/>
+          <p:nvPr/>
+        </p:nvSpPr>
+        <p:spPr>
+          <a:xfrm>
+            <a:off x="2737485" y="1315720"/>
+            <a:ext cx="98425" cy="98425"/>
+          </a:xfrm>
+          <a:prstGeom prst="rect">
+            <a:avLst/>
+          </a:prstGeom>
+          <a:ln>
+            <a:solidFill>
+              <a:srgbClr val="FF0000"/>
+            </a:solidFill>
+          </a:ln>
+        </p:spPr>
+        <p:txBody>
+          <a:bodyPr wrap="square" lIns="46990" tIns="46990" rIns="46990" bIns="46990">
+            <a:noAutofit/>
+          </a:bodyPr>
+          <a:p>
+            <a:endParaRPr lang="en-US" altLang="zh-CN" sz="1200">
+              <a:ln>
+                <a:solidFill>
+                  <a:srgbClr val="FF0000"/>
+                </a:solidFill>
+              </a:ln>
+              <a:solidFill>
+                <a:srgbClr val="FF0000"/>
+              </a:solidFill>
+              <a:latin typeface="Times New Roman" panose="02020603050405020304" charset="0"/>
+              <a:ea typeface="Calibri" panose="020F0502020204030204"/>
+              <a:cs typeface="Times New Roman" panose="02020603050405020304" charset="0"/>
+            </a:endParaRPr>
+          </a:p>
+        </p:txBody>
+      </p:sp>
+      <p:sp>
+        <p:nvSpPr>
+          <p:cNvPr id="8" name="文本框 7"/>
+          <p:cNvSpPr txBox="1"/>
+          <p:nvPr/>
+        </p:nvSpPr>
+        <p:spPr>
+          <a:xfrm>
+            <a:off x="8863965" y="1315720"/>
+            <a:ext cx="98425" cy="98425"/>
+          </a:xfrm>
+          <a:prstGeom prst="rect">
+            <a:avLst/>
+          </a:prstGeom>
+          <a:ln>
+            <a:solidFill>
+              <a:srgbClr val="FF0000"/>
+            </a:solidFill>
+          </a:ln>
+        </p:spPr>
+        <p:txBody>
+          <a:bodyPr wrap="square" lIns="46990" tIns="46990" rIns="46990" bIns="46990">
+            <a:noAutofit/>
+          </a:bodyPr>
+          <a:p>
+            <a:endParaRPr lang="en-US" altLang="zh-CN" sz="1200">
+              <a:ln>
+                <a:solidFill>
+                  <a:srgbClr val="FF0000"/>
+                </a:solidFill>
+              </a:ln>
+              <a:solidFill>
+                <a:srgbClr val="FF0000"/>
+              </a:solidFill>
+              <a:latin typeface="Times New Roman" panose="02020603050405020304" charset="0"/>
+              <a:ea typeface="Calibri" panose="020F0502020204030204"/>
+              <a:cs typeface="Times New Roman" panose="02020603050405020304" charset="0"/>
+            </a:endParaRPr>
+          </a:p>
+        </p:txBody>
+      </p:sp>
+      <p:sp>
+        <p:nvSpPr>
+          <p:cNvPr id="9" name="文本框 8"/>
+          <p:cNvSpPr txBox="1"/>
+          <p:nvPr/>
+        </p:nvSpPr>
+        <p:spPr>
+          <a:xfrm>
+            <a:off x="9369425" y="1315720"/>
+            <a:ext cx="98425" cy="98425"/>
+          </a:xfrm>
+          <a:prstGeom prst="rect">
+            <a:avLst/>
+          </a:prstGeom>
+          <a:ln>
+            <a:solidFill>
+              <a:srgbClr val="FF0000"/>
+            </a:solidFill>
+          </a:ln>
+        </p:spPr>
+        <p:txBody>
+          <a:bodyPr wrap="square" lIns="46990" tIns="46990" rIns="46990" bIns="46990">
+            <a:noAutofit/>
+          </a:bodyPr>
+          <a:p>
+            <a:endParaRPr lang="en-US" altLang="zh-CN" sz="1200">
+              <a:ln>
+                <a:solidFill>
+                  <a:srgbClr val="FF0000"/>
+                </a:solidFill>
+              </a:ln>
+              <a:solidFill>
+                <a:srgbClr val="FF0000"/>
+              </a:solidFill>
+              <a:latin typeface="Times New Roman" panose="02020603050405020304" charset="0"/>
+              <a:ea typeface="Calibri" panose="020F0502020204030204"/>
+              <a:cs typeface="Times New Roman" panose="02020603050405020304" charset="0"/>
+            </a:endParaRPr>
+          </a:p>
+        </p:txBody>
+      </p:sp>
+      <p:cxnSp>
+        <p:nvCxnSpPr>
+          <p:cNvPr id="14" name="直接箭头连接符 13"/>
+          <p:cNvCxnSpPr/>
+          <p:nvPr/>
+        </p:nvCxnSpPr>
+        <p:spPr>
+          <a:xfrm flipV="1">
+            <a:off x="2787015" y="986790"/>
+            <a:ext cx="48895" cy="328930"/>
+          </a:xfrm>
+          <a:prstGeom prst="straightConnector1">
+            <a:avLst/>
+          </a:prstGeom>
+          <a:ln w="9525">
+            <a:solidFill>
+              <a:srgbClr val="FF0000"/>
+            </a:solidFill>
+            <a:headEnd type="none"/>
+            <a:tailEnd type="triangle" w="med" len="med"/>
+          </a:ln>
+        </p:spPr>
+        <p:style>
+          <a:lnRef idx="2">
+            <a:schemeClr val="accent1"/>
+          </a:lnRef>
+          <a:fillRef idx="0">
+            <a:srgbClr val="FFFFFF"/>
+          </a:fillRef>
+          <a:effectRef idx="0">
+            <a:srgbClr val="FFFFFF"/>
+          </a:effectRef>
+          <a:fontRef idx="minor">
+            <a:schemeClr val="tx1"/>
+          </a:fontRef>
+        </p:style>
+      </p:cxnSp>
+      <p:sp>
+        <p:nvSpPr>
+          <p:cNvPr id="10" name="文本框 9"/>
+          <p:cNvSpPr txBox="1"/>
+          <p:nvPr/>
+        </p:nvSpPr>
+        <p:spPr>
+          <a:xfrm>
+            <a:off x="8088630" y="810260"/>
+            <a:ext cx="648970" cy="232410"/>
+          </a:xfrm>
+          <a:prstGeom prst="rect">
+            <a:avLst/>
+          </a:prstGeom>
+        </p:spPr>
+        <p:txBody>
+          <a:bodyPr wrap="square" lIns="46990" tIns="46990" rIns="46990" bIns="46990">
+            <a:spAutoFit/>
+          </a:bodyPr>
+          <a:p>
+            <a:pPr algn="ctr"/>
+            <a:r>
+              <a:rPr lang="en-US" altLang="zh-CN" sz="900" b="1">
+                <a:solidFill>
+                  <a:srgbClr val="FF0000"/>
+                </a:solidFill>
+                <a:latin typeface="Times New Roman" panose="02020603050405020304" charset="0"/>
+                <a:ea typeface="Calibri" panose="020F0502020204030204"/>
+                <a:cs typeface="Times New Roman" panose="02020603050405020304" charset="0"/>
+              </a:rPr>
+              <a:t>2.</a:t>
+            </a:r>
+            <a:r>
+              <a:rPr lang="zh-CN" altLang="en-US" sz="900" b="1">
+                <a:solidFill>
+                  <a:srgbClr val="FF0000"/>
+                </a:solidFill>
+                <a:latin typeface="Times New Roman" panose="02020603050405020304" charset="0"/>
+                <a:ea typeface="Calibri" panose="020F0502020204030204"/>
+                <a:cs typeface="Times New Roman" panose="02020603050405020304" charset="0"/>
+              </a:rPr>
+              <a:t>水平</a:t>
+            </a:r>
+            <a:r>
+              <a:rPr lang="zh-CN" altLang="en-US" sz="900" b="1">
+                <a:solidFill>
+                  <a:srgbClr val="FF0000"/>
+                </a:solidFill>
+                <a:latin typeface="Times New Roman" panose="02020603050405020304" charset="0"/>
+                <a:ea typeface="Calibri" panose="020F0502020204030204"/>
+                <a:cs typeface="Times New Roman" panose="02020603050405020304" charset="0"/>
+              </a:rPr>
+              <a:t>翻转</a:t>
+            </a:r>
+            <a:endParaRPr lang="zh-CN" altLang="en-US" sz="900" b="1">
+              <a:solidFill>
+                <a:srgbClr val="FF0000"/>
+              </a:solidFill>
+              <a:latin typeface="Times New Roman" panose="02020603050405020304" charset="0"/>
+              <a:ea typeface="Calibri" panose="020F0502020204030204"/>
+              <a:cs typeface="Times New Roman" panose="02020603050405020304" charset="0"/>
+            </a:endParaRPr>
+          </a:p>
+        </p:txBody>
+      </p:sp>
+      <p:cxnSp>
+        <p:nvCxnSpPr>
+          <p:cNvPr id="11" name="直接箭头连接符 10"/>
+          <p:cNvCxnSpPr/>
+          <p:nvPr/>
+        </p:nvCxnSpPr>
+        <p:spPr>
+          <a:xfrm flipH="1" flipV="1">
+            <a:off x="8413115" y="1042670"/>
+            <a:ext cx="500380" cy="273050"/>
+          </a:xfrm>
+          <a:prstGeom prst="straightConnector1">
+            <a:avLst/>
+          </a:prstGeom>
+          <a:ln w="9525">
+            <a:solidFill>
+              <a:srgbClr val="FF0000"/>
+            </a:solidFill>
+            <a:headEnd type="none"/>
+            <a:tailEnd type="triangle" w="med" len="med"/>
+          </a:ln>
+        </p:spPr>
+        <p:style>
+          <a:lnRef idx="2">
+            <a:schemeClr val="accent1"/>
+          </a:lnRef>
+          <a:fillRef idx="0">
+            <a:srgbClr val="FFFFFF"/>
+          </a:fillRef>
+          <a:effectRef idx="0">
+            <a:srgbClr val="FFFFFF"/>
+          </a:effectRef>
+          <a:fontRef idx="minor">
+            <a:schemeClr val="tx1"/>
+          </a:fontRef>
+        </p:style>
+      </p:cxnSp>
+      <p:sp>
+        <p:nvSpPr>
+          <p:cNvPr id="12" name="文本框 11"/>
+          <p:cNvSpPr txBox="1"/>
+          <p:nvPr/>
+        </p:nvSpPr>
+        <p:spPr>
+          <a:xfrm>
+            <a:off x="13716635" y="1638300"/>
+            <a:ext cx="824865" cy="232410"/>
+          </a:xfrm>
+          <a:prstGeom prst="rect">
+            <a:avLst/>
+          </a:prstGeom>
+        </p:spPr>
+        <p:txBody>
+          <a:bodyPr wrap="square" lIns="46990" tIns="46990" rIns="46990" bIns="46990">
+            <a:spAutoFit/>
+          </a:bodyPr>
+          <a:p>
+            <a:pPr algn="ctr"/>
+            <a:r>
+              <a:rPr lang="en-US" altLang="zh-CN" sz="900" b="1">
+                <a:solidFill>
+                  <a:srgbClr val="FF0000"/>
+                </a:solidFill>
+                <a:latin typeface="Times New Roman" panose="02020603050405020304" charset="0"/>
+                <a:ea typeface="Calibri" panose="020F0502020204030204"/>
+                <a:cs typeface="Times New Roman" panose="02020603050405020304" charset="0"/>
+              </a:rPr>
+              <a:t>1.</a:t>
+            </a:r>
+            <a:r>
+              <a:rPr lang="zh-CN" altLang="en-US" sz="900" b="1">
+                <a:solidFill>
+                  <a:srgbClr val="FF0000"/>
+                </a:solidFill>
+                <a:latin typeface="Times New Roman" panose="02020603050405020304" charset="0"/>
+                <a:ea typeface="Calibri" panose="020F0502020204030204"/>
+                <a:cs typeface="Times New Roman" panose="02020603050405020304" charset="0"/>
+              </a:rPr>
+              <a:t>导入图片</a:t>
+            </a:r>
+            <a:endParaRPr lang="zh-CN" altLang="en-US" sz="900" b="1">
+              <a:solidFill>
+                <a:srgbClr val="FF0000"/>
+              </a:solidFill>
+              <a:latin typeface="Times New Roman" panose="02020603050405020304" charset="0"/>
+              <a:ea typeface="Calibri" panose="020F0502020204030204"/>
+              <a:cs typeface="Times New Roman" panose="02020603050405020304" charset="0"/>
+            </a:endParaRPr>
+          </a:p>
+        </p:txBody>
+      </p:sp>
+      <p:sp>
+        <p:nvSpPr>
+          <p:cNvPr id="13" name="文本框 12"/>
+          <p:cNvSpPr txBox="1"/>
+          <p:nvPr/>
+        </p:nvSpPr>
+        <p:spPr>
+          <a:xfrm>
+            <a:off x="9093835" y="810260"/>
+            <a:ext cx="648970" cy="232410"/>
+          </a:xfrm>
+          <a:prstGeom prst="rect">
+            <a:avLst/>
+          </a:prstGeom>
+        </p:spPr>
+        <p:txBody>
+          <a:bodyPr wrap="square" lIns="46990" tIns="46990" rIns="46990" bIns="46990">
+            <a:spAutoFit/>
+          </a:bodyPr>
+          <a:p>
+            <a:pPr algn="ctr"/>
+            <a:r>
+              <a:rPr lang="en-US" altLang="zh-CN" sz="900" b="1">
+                <a:solidFill>
+                  <a:srgbClr val="FF0000"/>
+                </a:solidFill>
+                <a:latin typeface="Times New Roman" panose="02020603050405020304" charset="0"/>
+                <a:ea typeface="Calibri" panose="020F0502020204030204"/>
+                <a:cs typeface="Times New Roman" panose="02020603050405020304" charset="0"/>
+              </a:rPr>
+              <a:t>3.</a:t>
+            </a:r>
+            <a:r>
+              <a:rPr lang="zh-CN" altLang="en-US" sz="900" b="1">
+                <a:solidFill>
+                  <a:srgbClr val="FF0000"/>
+                </a:solidFill>
+                <a:latin typeface="Times New Roman" panose="02020603050405020304" charset="0"/>
+                <a:ea typeface="Calibri" panose="020F0502020204030204"/>
+                <a:cs typeface="Times New Roman" panose="02020603050405020304" charset="0"/>
+              </a:rPr>
+              <a:t>旋转</a:t>
+            </a:r>
+            <a:endParaRPr lang="zh-CN" altLang="en-US" sz="900" b="1">
+              <a:solidFill>
+                <a:srgbClr val="FF0000"/>
+              </a:solidFill>
+              <a:latin typeface="Times New Roman" panose="02020603050405020304" charset="0"/>
+              <a:ea typeface="Calibri" panose="020F0502020204030204"/>
+              <a:cs typeface="Times New Roman" panose="02020603050405020304" charset="0"/>
+            </a:endParaRPr>
+          </a:p>
+        </p:txBody>
+      </p:sp>
+      <p:cxnSp>
+        <p:nvCxnSpPr>
+          <p:cNvPr id="15" name="直接箭头连接符 14"/>
+          <p:cNvCxnSpPr>
+            <a:stCxn id="9" idx="0"/>
+            <a:endCxn id="13" idx="2"/>
+          </p:cNvCxnSpPr>
+          <p:nvPr/>
+        </p:nvCxnSpPr>
+        <p:spPr>
+          <a:xfrm flipH="1" flipV="1">
+            <a:off x="9418320" y="1042670"/>
+            <a:ext cx="635" cy="273050"/>
+          </a:xfrm>
+          <a:prstGeom prst="straightConnector1">
+            <a:avLst/>
+          </a:prstGeom>
+          <a:ln w="9525">
+            <a:solidFill>
+              <a:srgbClr val="FF0000"/>
+            </a:solidFill>
+            <a:headEnd type="none"/>
+            <a:tailEnd type="triangle" w="med" len="med"/>
+          </a:ln>
+        </p:spPr>
+        <p:style>
+          <a:lnRef idx="2">
+            <a:schemeClr val="accent1"/>
+          </a:lnRef>
+          <a:fillRef idx="0">
+            <a:srgbClr val="FFFFFF"/>
+          </a:fillRef>
+          <a:effectRef idx="0">
+            <a:srgbClr val="FFFFFF"/>
+          </a:effectRef>
+          <a:fontRef idx="minor">
+            <a:schemeClr val="tx1"/>
+          </a:fontRef>
+        </p:style>
+      </p:cxnSp>
+      <p:sp>
+        <p:nvSpPr>
+          <p:cNvPr id="16" name="文本框 15"/>
+          <p:cNvSpPr txBox="1"/>
+          <p:nvPr/>
+        </p:nvSpPr>
+        <p:spPr>
+          <a:xfrm>
+            <a:off x="7089775" y="1315720"/>
+            <a:ext cx="98425" cy="98425"/>
+          </a:xfrm>
+          <a:prstGeom prst="rect">
+            <a:avLst/>
+          </a:prstGeom>
+          <a:ln>
+            <a:solidFill>
+              <a:srgbClr val="FF0000"/>
+            </a:solidFill>
+          </a:ln>
+        </p:spPr>
+        <p:txBody>
+          <a:bodyPr wrap="square" lIns="46990" tIns="46990" rIns="46990" bIns="46990">
+            <a:noAutofit/>
+          </a:bodyPr>
+          <a:p>
+            <a:endParaRPr lang="en-US" altLang="zh-CN" sz="1200">
+              <a:ln>
+                <a:solidFill>
+                  <a:srgbClr val="FF0000"/>
+                </a:solidFill>
+              </a:ln>
+              <a:solidFill>
+                <a:srgbClr val="FF0000"/>
+              </a:solidFill>
+              <a:latin typeface="Times New Roman" panose="02020603050405020304" charset="0"/>
+              <a:ea typeface="Calibri" panose="020F0502020204030204"/>
+              <a:cs typeface="Times New Roman" panose="02020603050405020304" charset="0"/>
+            </a:endParaRPr>
+          </a:p>
+        </p:txBody>
+      </p:sp>
+      <p:sp>
+        <p:nvSpPr>
+          <p:cNvPr id="17" name="文本框 16"/>
+          <p:cNvSpPr txBox="1"/>
+          <p:nvPr/>
+        </p:nvSpPr>
+        <p:spPr>
+          <a:xfrm>
+            <a:off x="6814820" y="810260"/>
+            <a:ext cx="648970" cy="232410"/>
+          </a:xfrm>
+          <a:prstGeom prst="rect">
+            <a:avLst/>
+          </a:prstGeom>
+        </p:spPr>
+        <p:txBody>
+          <a:bodyPr wrap="square" lIns="46990" tIns="46990" rIns="46990" bIns="46990">
+            <a:spAutoFit/>
+          </a:bodyPr>
+          <a:p>
+            <a:pPr algn="ctr"/>
+            <a:r>
+              <a:rPr lang="en-US" altLang="zh-CN" sz="900" b="1">
+                <a:solidFill>
+                  <a:srgbClr val="FF0000"/>
+                </a:solidFill>
+                <a:latin typeface="Times New Roman" panose="02020603050405020304" charset="0"/>
+                <a:ea typeface="Calibri" panose="020F0502020204030204"/>
+                <a:cs typeface="Times New Roman" panose="02020603050405020304" charset="0"/>
+              </a:rPr>
+              <a:t>4.</a:t>
+            </a:r>
+            <a:r>
+              <a:rPr lang="zh-CN" altLang="en-US" sz="900" b="1">
+                <a:solidFill>
+                  <a:srgbClr val="FF0000"/>
+                </a:solidFill>
+                <a:latin typeface="Times New Roman" panose="02020603050405020304" charset="0"/>
+                <a:ea typeface="Calibri" panose="020F0502020204030204"/>
+                <a:cs typeface="Times New Roman" panose="02020603050405020304" charset="0"/>
+              </a:rPr>
+              <a:t>导出</a:t>
+            </a:r>
+            <a:r>
+              <a:rPr lang="zh-CN" altLang="en-US" sz="900" b="1">
+                <a:solidFill>
+                  <a:srgbClr val="FF0000"/>
+                </a:solidFill>
+                <a:latin typeface="Times New Roman" panose="02020603050405020304" charset="0"/>
+                <a:ea typeface="Calibri" panose="020F0502020204030204"/>
+                <a:cs typeface="Times New Roman" panose="02020603050405020304" charset="0"/>
+              </a:rPr>
+              <a:t>代码</a:t>
+            </a:r>
+            <a:endParaRPr lang="zh-CN" altLang="en-US" sz="900" b="1">
+              <a:solidFill>
+                <a:srgbClr val="FF0000"/>
+              </a:solidFill>
+              <a:latin typeface="Times New Roman" panose="02020603050405020304" charset="0"/>
+              <a:ea typeface="Calibri" panose="020F0502020204030204"/>
+              <a:cs typeface="Times New Roman" panose="02020603050405020304" charset="0"/>
+            </a:endParaRPr>
+          </a:p>
+        </p:txBody>
+      </p:sp>
+      <p:cxnSp>
+        <p:nvCxnSpPr>
+          <p:cNvPr id="19" name="直接箭头连接符 18"/>
+          <p:cNvCxnSpPr>
+            <a:stCxn id="16" idx="0"/>
+            <a:endCxn id="17" idx="2"/>
+          </p:cNvCxnSpPr>
+          <p:nvPr/>
+        </p:nvCxnSpPr>
+        <p:spPr>
+          <a:xfrm flipV="1">
+            <a:off x="7139305" y="1042670"/>
+            <a:ext cx="0" cy="273050"/>
+          </a:xfrm>
+          <a:prstGeom prst="straightConnector1">
+            <a:avLst/>
+          </a:prstGeom>
+          <a:ln w="9525">
+            <a:solidFill>
+              <a:srgbClr val="FF0000"/>
+            </a:solidFill>
+            <a:headEnd type="none"/>
+            <a:tailEnd type="triangle" w="med" len="med"/>
+          </a:ln>
+        </p:spPr>
+        <p:style>
+          <a:lnRef idx="2">
+            <a:schemeClr val="accent1"/>
+          </a:lnRef>
+          <a:fillRef idx="0">
+            <a:srgbClr val="FFFFFF"/>
+          </a:fillRef>
+          <a:effectRef idx="0">
+            <a:srgbClr val="FFFFFF"/>
+          </a:effectRef>
+          <a:fontRef idx="minor">
+            <a:schemeClr val="tx1"/>
+          </a:fontRef>
+        </p:style>
+      </p:cxnSp>
+      <p:pic>
+        <p:nvPicPr>
+          <p:cNvPr id="20" name="图片 19"/>
+          <p:cNvPicPr>
+            <a:picLocks noChangeAspect="1"/>
+          </p:cNvPicPr>
+          <p:nvPr/>
+        </p:nvPicPr>
+        <p:blipFill>
+          <a:blip r:embed="rId3"/>
+          <a:stretch>
+            <a:fillRect/>
+          </a:stretch>
+        </p:blipFill>
+        <p:spPr>
+          <a:xfrm>
+            <a:off x="2037715" y="3649980"/>
+            <a:ext cx="7965440" cy="1516380"/>
+          </a:xfrm>
+          <a:prstGeom prst="rect">
+            <a:avLst/>
+          </a:prstGeom>
+        </p:spPr>
+      </p:pic>
+      <p:cxnSp>
+        <p:nvCxnSpPr>
+          <p:cNvPr id="21" name="直接箭头连接符 20"/>
+          <p:cNvCxnSpPr/>
+          <p:nvPr/>
+        </p:nvCxnSpPr>
+        <p:spPr>
+          <a:xfrm flipH="1">
+            <a:off x="5478780" y="4000500"/>
+            <a:ext cx="754380" cy="396240"/>
+          </a:xfrm>
+          <a:prstGeom prst="straightConnector1">
+            <a:avLst/>
+          </a:prstGeom>
+          <a:ln w="19050">
+            <a:solidFill>
+              <a:srgbClr val="FF0000"/>
+            </a:solidFill>
+            <a:headEnd type="none"/>
+            <a:tailEnd type="triangle" w="med" len="med"/>
+          </a:ln>
+        </p:spPr>
+        <p:style>
+          <a:lnRef idx="2">
+            <a:schemeClr val="accent1"/>
+          </a:lnRef>
+          <a:fillRef idx="0">
+            <a:srgbClr val="FFFFFF"/>
+          </a:fillRef>
+          <a:effectRef idx="0">
+            <a:srgbClr val="FFFFFF"/>
+          </a:effectRef>
+          <a:fontRef idx="minor">
+            <a:schemeClr val="tx1"/>
+          </a:fontRef>
+        </p:style>
+      </p:cxnSp>
     </p:spTree>
   </p:cSld>
   <p:clrMapOvr>

--- a/7.img/绘图文件/draw.pptx
+++ b/7.img/绘图文件/draw.pptx
@@ -5,13 +5,13 @@
     <p:sldMasterId id="2147483648" r:id="rId1"/>
   </p:sldMasterIdLst>
   <p:sldIdLst>
-    <p:sldId id="256" r:id="rId3"/>
-    <p:sldId id="257" r:id="rId4"/>
+    <p:sldId id="256" r:id="rId2"/>
+    <p:sldId id="257" r:id="rId3"/>
   </p:sldIdLst>
   <p:sldSz cx="12192000" cy="6858000"/>
   <p:notesSz cx="6858000" cy="9144000"/>
   <p:custDataLst>
-    <p:tags r:id="rId8"/>
+    <p:tags r:id="rId4"/>
   </p:custDataLst>
   <p:defaultTextStyle>
     <a:defPPr>
@@ -108,6 +108,11 @@
       </a:defRPr>
     </a:lvl9pPr>
   </p:defaultTextStyle>
+  <p:extLst>
+    <p:ext uri="{EFAFB233-063F-42B5-8137-9DF3F51BA10A}">
+      <p15:sldGuideLst xmlns:p15="http://schemas.microsoft.com/office/powerpoint/2012/main"/>
+    </p:ext>
+  </p:extLst>
 </p:presentation>
 </file>
 
@@ -153,10 +158,9 @@
           </a:lstStyle>
           <a:p>
             <a:r>
-              <a:rPr lang="zh-CN" altLang="en-US" smtClean="0"/>
+              <a:rPr lang="zh-CN" altLang="en-US"/>
               <a:t>单击此处编辑母版标题样式</a:t>
             </a:r>
-            <a:endParaRPr lang="zh-CN" altLang="en-US"/>
           </a:p>
         </p:txBody>
       </p:sp>
@@ -218,10 +222,9 @@
           </a:lstStyle>
           <a:p>
             <a:r>
-              <a:rPr lang="zh-CN" altLang="en-US" smtClean="0"/>
+              <a:rPr lang="zh-CN" altLang="en-US"/>
               <a:t>单击此处编辑母版副标题样式</a:t>
             </a:r>
-            <a:endParaRPr lang="zh-CN" altLang="en-US"/>
           </a:p>
         </p:txBody>
       </p:sp>
@@ -242,6 +245,7 @@
           <a:p>
             <a:fld id="{D997B5FA-0921-464F-AAE1-844C04324D75}" type="datetimeFigureOut">
               <a:rPr lang="zh-CN" altLang="en-US" smtClean="0"/>
+              <a:t>2025/4/12</a:t>
             </a:fld>
             <a:endParaRPr lang="zh-CN" altLang="en-US"/>
           </a:p>
@@ -283,6 +287,7 @@
           <a:p>
             <a:fld id="{565CE74E-AB26-4998-AD42-012C4C1AD076}" type="slidenum">
               <a:rPr lang="zh-CN" altLang="en-US" smtClean="0"/>
+              <a:t>‹#›</a:t>
             </a:fld>
             <a:endParaRPr lang="zh-CN" altLang="en-US"/>
           </a:p>
@@ -329,10 +334,9 @@
           <a:lstStyle/>
           <a:p>
             <a:r>
-              <a:rPr lang="zh-CN" altLang="en-US" smtClean="0"/>
+              <a:rPr lang="zh-CN" altLang="en-US"/>
               <a:t>单击此处编辑母版标题样式</a:t>
             </a:r>
-            <a:endParaRPr lang="zh-CN" altLang="en-US"/>
           </a:p>
         </p:txBody>
       </p:sp>
@@ -353,42 +357,37 @@
           <a:p>
             <a:pPr lvl="0"/>
             <a:r>
-              <a:rPr lang="zh-CN" altLang="en-US" smtClean="0"/>
+              <a:rPr lang="zh-CN" altLang="en-US"/>
               <a:t>单击此处编辑母版文本样式</a:t>
             </a:r>
-            <a:endParaRPr lang="zh-CN" altLang="en-US" smtClean="0"/>
           </a:p>
           <a:p>
             <a:pPr lvl="1"/>
             <a:r>
-              <a:rPr lang="zh-CN" altLang="en-US" smtClean="0"/>
+              <a:rPr lang="zh-CN" altLang="en-US"/>
               <a:t>第二级</a:t>
             </a:r>
-            <a:endParaRPr lang="zh-CN" altLang="en-US" smtClean="0"/>
           </a:p>
           <a:p>
             <a:pPr lvl="2"/>
             <a:r>
-              <a:rPr lang="zh-CN" altLang="en-US" smtClean="0"/>
+              <a:rPr lang="zh-CN" altLang="en-US"/>
               <a:t>第三级</a:t>
             </a:r>
-            <a:endParaRPr lang="zh-CN" altLang="en-US" smtClean="0"/>
           </a:p>
           <a:p>
             <a:pPr lvl="3"/>
             <a:r>
-              <a:rPr lang="zh-CN" altLang="en-US" smtClean="0"/>
+              <a:rPr lang="zh-CN" altLang="en-US"/>
               <a:t>第四级</a:t>
             </a:r>
-            <a:endParaRPr lang="zh-CN" altLang="en-US" smtClean="0"/>
           </a:p>
           <a:p>
             <a:pPr lvl="4"/>
             <a:r>
-              <a:rPr lang="zh-CN" altLang="en-US" smtClean="0"/>
+              <a:rPr lang="zh-CN" altLang="en-US"/>
               <a:t>第五级</a:t>
             </a:r>
-            <a:endParaRPr lang="zh-CN" altLang="en-US"/>
           </a:p>
         </p:txBody>
       </p:sp>
@@ -409,6 +408,7 @@
           <a:p>
             <a:fld id="{D997B5FA-0921-464F-AAE1-844C04324D75}" type="datetimeFigureOut">
               <a:rPr lang="zh-CN" altLang="en-US" smtClean="0"/>
+              <a:t>2025/4/12</a:t>
             </a:fld>
             <a:endParaRPr lang="zh-CN" altLang="en-US"/>
           </a:p>
@@ -450,6 +450,7 @@
           <a:p>
             <a:fld id="{565CE74E-AB26-4998-AD42-012C4C1AD076}" type="slidenum">
               <a:rPr lang="zh-CN" altLang="en-US" smtClean="0"/>
+              <a:t>‹#›</a:t>
             </a:fld>
             <a:endParaRPr lang="zh-CN" altLang="en-US"/>
           </a:p>
@@ -501,10 +502,9 @@
           <a:lstStyle/>
           <a:p>
             <a:r>
-              <a:rPr lang="zh-CN" altLang="en-US" smtClean="0"/>
+              <a:rPr lang="zh-CN" altLang="en-US"/>
               <a:t>单击此处编辑母版标题样式</a:t>
             </a:r>
-            <a:endParaRPr lang="zh-CN" altLang="en-US"/>
           </a:p>
         </p:txBody>
       </p:sp>
@@ -530,42 +530,37 @@
           <a:p>
             <a:pPr lvl="0"/>
             <a:r>
-              <a:rPr lang="zh-CN" altLang="en-US" smtClean="0"/>
+              <a:rPr lang="zh-CN" altLang="en-US"/>
               <a:t>单击此处编辑母版文本样式</a:t>
             </a:r>
-            <a:endParaRPr lang="zh-CN" altLang="en-US" smtClean="0"/>
           </a:p>
           <a:p>
             <a:pPr lvl="1"/>
             <a:r>
-              <a:rPr lang="zh-CN" altLang="en-US" smtClean="0"/>
+              <a:rPr lang="zh-CN" altLang="en-US"/>
               <a:t>第二级</a:t>
             </a:r>
-            <a:endParaRPr lang="zh-CN" altLang="en-US" smtClean="0"/>
           </a:p>
           <a:p>
             <a:pPr lvl="2"/>
             <a:r>
-              <a:rPr lang="zh-CN" altLang="en-US" smtClean="0"/>
+              <a:rPr lang="zh-CN" altLang="en-US"/>
               <a:t>第三级</a:t>
             </a:r>
-            <a:endParaRPr lang="zh-CN" altLang="en-US" smtClean="0"/>
           </a:p>
           <a:p>
             <a:pPr lvl="3"/>
             <a:r>
-              <a:rPr lang="zh-CN" altLang="en-US" smtClean="0"/>
+              <a:rPr lang="zh-CN" altLang="en-US"/>
               <a:t>第四级</a:t>
             </a:r>
-            <a:endParaRPr lang="zh-CN" altLang="en-US" smtClean="0"/>
           </a:p>
           <a:p>
             <a:pPr lvl="4"/>
             <a:r>
-              <a:rPr lang="zh-CN" altLang="en-US" smtClean="0"/>
+              <a:rPr lang="zh-CN" altLang="en-US"/>
               <a:t>第五级</a:t>
             </a:r>
-            <a:endParaRPr lang="zh-CN" altLang="en-US"/>
           </a:p>
         </p:txBody>
       </p:sp>
@@ -586,6 +581,7 @@
           <a:p>
             <a:fld id="{D997B5FA-0921-464F-AAE1-844C04324D75}" type="datetimeFigureOut">
               <a:rPr lang="zh-CN" altLang="en-US" smtClean="0"/>
+              <a:t>2025/4/12</a:t>
             </a:fld>
             <a:endParaRPr lang="zh-CN" altLang="en-US"/>
           </a:p>
@@ -627,6 +623,7 @@
           <a:p>
             <a:fld id="{565CE74E-AB26-4998-AD42-012C4C1AD076}" type="slidenum">
               <a:rPr lang="zh-CN" altLang="en-US" smtClean="0"/>
+              <a:t>‹#›</a:t>
             </a:fld>
             <a:endParaRPr lang="zh-CN" altLang="en-US"/>
           </a:p>
@@ -673,10 +670,9 @@
           <a:lstStyle/>
           <a:p>
             <a:r>
-              <a:rPr lang="zh-CN" altLang="en-US" smtClean="0"/>
+              <a:rPr lang="zh-CN" altLang="en-US"/>
               <a:t>单击此处编辑母版标题样式</a:t>
             </a:r>
-            <a:endParaRPr lang="zh-CN" altLang="en-US"/>
           </a:p>
         </p:txBody>
       </p:sp>
@@ -697,42 +693,37 @@
           <a:p>
             <a:pPr lvl="0"/>
             <a:r>
-              <a:rPr lang="zh-CN" altLang="en-US" smtClean="0"/>
+              <a:rPr lang="zh-CN" altLang="en-US"/>
               <a:t>单击此处编辑母版文本样式</a:t>
             </a:r>
-            <a:endParaRPr lang="zh-CN" altLang="en-US" smtClean="0"/>
           </a:p>
           <a:p>
             <a:pPr lvl="1"/>
             <a:r>
-              <a:rPr lang="zh-CN" altLang="en-US" smtClean="0"/>
+              <a:rPr lang="zh-CN" altLang="en-US"/>
               <a:t>第二级</a:t>
             </a:r>
-            <a:endParaRPr lang="zh-CN" altLang="en-US" smtClean="0"/>
           </a:p>
           <a:p>
             <a:pPr lvl="2"/>
             <a:r>
-              <a:rPr lang="zh-CN" altLang="en-US" smtClean="0"/>
+              <a:rPr lang="zh-CN" altLang="en-US"/>
               <a:t>第三级</a:t>
             </a:r>
-            <a:endParaRPr lang="zh-CN" altLang="en-US" smtClean="0"/>
           </a:p>
           <a:p>
             <a:pPr lvl="3"/>
             <a:r>
-              <a:rPr lang="zh-CN" altLang="en-US" smtClean="0"/>
+              <a:rPr lang="zh-CN" altLang="en-US"/>
               <a:t>第四级</a:t>
             </a:r>
-            <a:endParaRPr lang="zh-CN" altLang="en-US" smtClean="0"/>
           </a:p>
           <a:p>
             <a:pPr lvl="4"/>
             <a:r>
-              <a:rPr lang="zh-CN" altLang="en-US" smtClean="0"/>
+              <a:rPr lang="zh-CN" altLang="en-US"/>
               <a:t>第五级</a:t>
             </a:r>
-            <a:endParaRPr lang="zh-CN" altLang="en-US"/>
           </a:p>
         </p:txBody>
       </p:sp>
@@ -753,6 +744,7 @@
           <a:p>
             <a:fld id="{D997B5FA-0921-464F-AAE1-844C04324D75}" type="datetimeFigureOut">
               <a:rPr lang="zh-CN" altLang="en-US" smtClean="0"/>
+              <a:t>2025/4/12</a:t>
             </a:fld>
             <a:endParaRPr lang="zh-CN" altLang="en-US"/>
           </a:p>
@@ -794,6 +786,7 @@
           <a:p>
             <a:fld id="{565CE74E-AB26-4998-AD42-012C4C1AD076}" type="slidenum">
               <a:rPr lang="zh-CN" altLang="en-US" smtClean="0"/>
+              <a:t>‹#›</a:t>
             </a:fld>
             <a:endParaRPr lang="zh-CN" altLang="en-US"/>
           </a:p>
@@ -849,10 +842,9 @@
           </a:lstStyle>
           <a:p>
             <a:r>
-              <a:rPr lang="zh-CN" altLang="en-US" smtClean="0"/>
+              <a:rPr lang="zh-CN" altLang="en-US"/>
               <a:t>单击此处编辑母版标题样式</a:t>
             </a:r>
-            <a:endParaRPr lang="zh-CN" altLang="en-US"/>
           </a:p>
         </p:txBody>
       </p:sp>
@@ -969,10 +961,9 @@
           <a:p>
             <a:pPr lvl="0"/>
             <a:r>
-              <a:rPr lang="zh-CN" altLang="en-US" smtClean="0"/>
+              <a:rPr lang="zh-CN" altLang="en-US"/>
               <a:t>单击此处编辑母版文本样式</a:t>
             </a:r>
-            <a:endParaRPr lang="zh-CN" altLang="en-US" smtClean="0"/>
           </a:p>
         </p:txBody>
       </p:sp>
@@ -993,6 +984,7 @@
           <a:p>
             <a:fld id="{D997B5FA-0921-464F-AAE1-844C04324D75}" type="datetimeFigureOut">
               <a:rPr lang="zh-CN" altLang="en-US" smtClean="0"/>
+              <a:t>2025/4/12</a:t>
             </a:fld>
             <a:endParaRPr lang="zh-CN" altLang="en-US"/>
           </a:p>
@@ -1034,6 +1026,7 @@
           <a:p>
             <a:fld id="{565CE74E-AB26-4998-AD42-012C4C1AD076}" type="slidenum">
               <a:rPr lang="zh-CN" altLang="en-US" smtClean="0"/>
+              <a:t>‹#›</a:t>
             </a:fld>
             <a:endParaRPr lang="zh-CN" altLang="en-US"/>
           </a:p>
@@ -1080,10 +1073,9 @@
           <a:lstStyle/>
           <a:p>
             <a:r>
-              <a:rPr lang="zh-CN" altLang="en-US" smtClean="0"/>
+              <a:rPr lang="zh-CN" altLang="en-US"/>
               <a:t>单击此处编辑母版标题样式</a:t>
             </a:r>
-            <a:endParaRPr lang="zh-CN" altLang="en-US"/>
           </a:p>
         </p:txBody>
       </p:sp>
@@ -1109,42 +1101,37 @@
           <a:p>
             <a:pPr lvl="0"/>
             <a:r>
-              <a:rPr lang="zh-CN" altLang="en-US" smtClean="0"/>
+              <a:rPr lang="zh-CN" altLang="en-US"/>
               <a:t>单击此处编辑母版文本样式</a:t>
             </a:r>
-            <a:endParaRPr lang="zh-CN" altLang="en-US" smtClean="0"/>
           </a:p>
           <a:p>
             <a:pPr lvl="1"/>
             <a:r>
-              <a:rPr lang="zh-CN" altLang="en-US" smtClean="0"/>
+              <a:rPr lang="zh-CN" altLang="en-US"/>
               <a:t>第二级</a:t>
             </a:r>
-            <a:endParaRPr lang="zh-CN" altLang="en-US" smtClean="0"/>
           </a:p>
           <a:p>
             <a:pPr lvl="2"/>
             <a:r>
-              <a:rPr lang="zh-CN" altLang="en-US" smtClean="0"/>
+              <a:rPr lang="zh-CN" altLang="en-US"/>
               <a:t>第三级</a:t>
             </a:r>
-            <a:endParaRPr lang="zh-CN" altLang="en-US" smtClean="0"/>
           </a:p>
           <a:p>
             <a:pPr lvl="3"/>
             <a:r>
-              <a:rPr lang="zh-CN" altLang="en-US" smtClean="0"/>
+              <a:rPr lang="zh-CN" altLang="en-US"/>
               <a:t>第四级</a:t>
             </a:r>
-            <a:endParaRPr lang="zh-CN" altLang="en-US" smtClean="0"/>
           </a:p>
           <a:p>
             <a:pPr lvl="4"/>
             <a:r>
-              <a:rPr lang="zh-CN" altLang="en-US" smtClean="0"/>
+              <a:rPr lang="zh-CN" altLang="en-US"/>
               <a:t>第五级</a:t>
             </a:r>
-            <a:endParaRPr lang="zh-CN" altLang="en-US"/>
           </a:p>
         </p:txBody>
       </p:sp>
@@ -1170,42 +1157,37 @@
           <a:p>
             <a:pPr lvl="0"/>
             <a:r>
-              <a:rPr lang="zh-CN" altLang="en-US" smtClean="0"/>
+              <a:rPr lang="zh-CN" altLang="en-US"/>
               <a:t>单击此处编辑母版文本样式</a:t>
             </a:r>
-            <a:endParaRPr lang="zh-CN" altLang="en-US" smtClean="0"/>
           </a:p>
           <a:p>
             <a:pPr lvl="1"/>
             <a:r>
-              <a:rPr lang="zh-CN" altLang="en-US" smtClean="0"/>
+              <a:rPr lang="zh-CN" altLang="en-US"/>
               <a:t>第二级</a:t>
             </a:r>
-            <a:endParaRPr lang="zh-CN" altLang="en-US" smtClean="0"/>
           </a:p>
           <a:p>
             <a:pPr lvl="2"/>
             <a:r>
-              <a:rPr lang="zh-CN" altLang="en-US" smtClean="0"/>
+              <a:rPr lang="zh-CN" altLang="en-US"/>
               <a:t>第三级</a:t>
             </a:r>
-            <a:endParaRPr lang="zh-CN" altLang="en-US" smtClean="0"/>
           </a:p>
           <a:p>
             <a:pPr lvl="3"/>
             <a:r>
-              <a:rPr lang="zh-CN" altLang="en-US" smtClean="0"/>
+              <a:rPr lang="zh-CN" altLang="en-US"/>
               <a:t>第四级</a:t>
             </a:r>
-            <a:endParaRPr lang="zh-CN" altLang="en-US" smtClean="0"/>
           </a:p>
           <a:p>
             <a:pPr lvl="4"/>
             <a:r>
-              <a:rPr lang="zh-CN" altLang="en-US" smtClean="0"/>
+              <a:rPr lang="zh-CN" altLang="en-US"/>
               <a:t>第五级</a:t>
             </a:r>
-            <a:endParaRPr lang="zh-CN" altLang="en-US"/>
           </a:p>
         </p:txBody>
       </p:sp>
@@ -1226,6 +1208,7 @@
           <a:p>
             <a:fld id="{D997B5FA-0921-464F-AAE1-844C04324D75}" type="datetimeFigureOut">
               <a:rPr lang="zh-CN" altLang="en-US" smtClean="0"/>
+              <a:t>2025/4/12</a:t>
             </a:fld>
             <a:endParaRPr lang="zh-CN" altLang="en-US"/>
           </a:p>
@@ -1267,6 +1250,7 @@
           <a:p>
             <a:fld id="{565CE74E-AB26-4998-AD42-012C4C1AD076}" type="slidenum">
               <a:rPr lang="zh-CN" altLang="en-US" smtClean="0"/>
+              <a:t>‹#›</a:t>
             </a:fld>
             <a:endParaRPr lang="zh-CN" altLang="en-US"/>
           </a:p>
@@ -1318,10 +1302,9 @@
           <a:lstStyle/>
           <a:p>
             <a:r>
-              <a:rPr lang="zh-CN" altLang="en-US" smtClean="0"/>
+              <a:rPr lang="zh-CN" altLang="en-US"/>
               <a:t>单击此处编辑母版标题样式</a:t>
             </a:r>
-            <a:endParaRPr lang="zh-CN" altLang="en-US"/>
           </a:p>
         </p:txBody>
       </p:sp>
@@ -1384,10 +1367,9 @@
           <a:p>
             <a:pPr lvl="0"/>
             <a:r>
-              <a:rPr lang="zh-CN" altLang="en-US" smtClean="0"/>
+              <a:rPr lang="zh-CN" altLang="en-US"/>
               <a:t>单击此处编辑母版文本样式</a:t>
             </a:r>
-            <a:endParaRPr lang="zh-CN" altLang="en-US" smtClean="0"/>
           </a:p>
         </p:txBody>
       </p:sp>
@@ -1413,42 +1395,37 @@
           <a:p>
             <a:pPr lvl="0"/>
             <a:r>
-              <a:rPr lang="zh-CN" altLang="en-US" smtClean="0"/>
+              <a:rPr lang="zh-CN" altLang="en-US"/>
               <a:t>单击此处编辑母版文本样式</a:t>
             </a:r>
-            <a:endParaRPr lang="zh-CN" altLang="en-US" smtClean="0"/>
           </a:p>
           <a:p>
             <a:pPr lvl="1"/>
             <a:r>
-              <a:rPr lang="zh-CN" altLang="en-US" smtClean="0"/>
+              <a:rPr lang="zh-CN" altLang="en-US"/>
               <a:t>第二级</a:t>
             </a:r>
-            <a:endParaRPr lang="zh-CN" altLang="en-US" smtClean="0"/>
           </a:p>
           <a:p>
             <a:pPr lvl="2"/>
             <a:r>
-              <a:rPr lang="zh-CN" altLang="en-US" smtClean="0"/>
+              <a:rPr lang="zh-CN" altLang="en-US"/>
               <a:t>第三级</a:t>
             </a:r>
-            <a:endParaRPr lang="zh-CN" altLang="en-US" smtClean="0"/>
           </a:p>
           <a:p>
             <a:pPr lvl="3"/>
             <a:r>
-              <a:rPr lang="zh-CN" altLang="en-US" smtClean="0"/>
+              <a:rPr lang="zh-CN" altLang="en-US"/>
               <a:t>第四级</a:t>
             </a:r>
-            <a:endParaRPr lang="zh-CN" altLang="en-US" smtClean="0"/>
           </a:p>
           <a:p>
             <a:pPr lvl="4"/>
             <a:r>
-              <a:rPr lang="zh-CN" altLang="en-US" smtClean="0"/>
+              <a:rPr lang="zh-CN" altLang="en-US"/>
               <a:t>第五级</a:t>
             </a:r>
-            <a:endParaRPr lang="zh-CN" altLang="en-US"/>
           </a:p>
         </p:txBody>
       </p:sp>
@@ -1511,10 +1488,9 @@
           <a:p>
             <a:pPr lvl="0"/>
             <a:r>
-              <a:rPr lang="zh-CN" altLang="en-US" smtClean="0"/>
+              <a:rPr lang="zh-CN" altLang="en-US"/>
               <a:t>单击此处编辑母版文本样式</a:t>
             </a:r>
-            <a:endParaRPr lang="zh-CN" altLang="en-US" smtClean="0"/>
           </a:p>
         </p:txBody>
       </p:sp>
@@ -1540,42 +1516,37 @@
           <a:p>
             <a:pPr lvl="0"/>
             <a:r>
-              <a:rPr lang="zh-CN" altLang="en-US" smtClean="0"/>
+              <a:rPr lang="zh-CN" altLang="en-US"/>
               <a:t>单击此处编辑母版文本样式</a:t>
             </a:r>
-            <a:endParaRPr lang="zh-CN" altLang="en-US" smtClean="0"/>
           </a:p>
           <a:p>
             <a:pPr lvl="1"/>
             <a:r>
-              <a:rPr lang="zh-CN" altLang="en-US" smtClean="0"/>
+              <a:rPr lang="zh-CN" altLang="en-US"/>
               <a:t>第二级</a:t>
             </a:r>
-            <a:endParaRPr lang="zh-CN" altLang="en-US" smtClean="0"/>
           </a:p>
           <a:p>
             <a:pPr lvl="2"/>
             <a:r>
-              <a:rPr lang="zh-CN" altLang="en-US" smtClean="0"/>
+              <a:rPr lang="zh-CN" altLang="en-US"/>
               <a:t>第三级</a:t>
             </a:r>
-            <a:endParaRPr lang="zh-CN" altLang="en-US" smtClean="0"/>
           </a:p>
           <a:p>
             <a:pPr lvl="3"/>
             <a:r>
-              <a:rPr lang="zh-CN" altLang="en-US" smtClean="0"/>
+              <a:rPr lang="zh-CN" altLang="en-US"/>
               <a:t>第四级</a:t>
             </a:r>
-            <a:endParaRPr lang="zh-CN" altLang="en-US" smtClean="0"/>
           </a:p>
           <a:p>
             <a:pPr lvl="4"/>
             <a:r>
-              <a:rPr lang="zh-CN" altLang="en-US" smtClean="0"/>
+              <a:rPr lang="zh-CN" altLang="en-US"/>
               <a:t>第五级</a:t>
             </a:r>
-            <a:endParaRPr lang="zh-CN" altLang="en-US"/>
           </a:p>
         </p:txBody>
       </p:sp>
@@ -1596,6 +1567,7 @@
           <a:p>
             <a:fld id="{D997B5FA-0921-464F-AAE1-844C04324D75}" type="datetimeFigureOut">
               <a:rPr lang="zh-CN" altLang="en-US" smtClean="0"/>
+              <a:t>2025/4/12</a:t>
             </a:fld>
             <a:endParaRPr lang="zh-CN" altLang="en-US"/>
           </a:p>
@@ -1637,6 +1609,7 @@
           <a:p>
             <a:fld id="{565CE74E-AB26-4998-AD42-012C4C1AD076}" type="slidenum">
               <a:rPr lang="zh-CN" altLang="en-US" smtClean="0"/>
+              <a:t>‹#›</a:t>
             </a:fld>
             <a:endParaRPr lang="zh-CN" altLang="en-US"/>
           </a:p>
@@ -1683,10 +1656,9 @@
           <a:lstStyle/>
           <a:p>
             <a:r>
-              <a:rPr lang="zh-CN" altLang="en-US" smtClean="0"/>
+              <a:rPr lang="zh-CN" altLang="en-US"/>
               <a:t>单击此处编辑母版标题样式</a:t>
             </a:r>
-            <a:endParaRPr lang="zh-CN" altLang="en-US"/>
           </a:p>
         </p:txBody>
       </p:sp>
@@ -1707,6 +1679,7 @@
           <a:p>
             <a:fld id="{D997B5FA-0921-464F-AAE1-844C04324D75}" type="datetimeFigureOut">
               <a:rPr lang="zh-CN" altLang="en-US" smtClean="0"/>
+              <a:t>2025/4/12</a:t>
             </a:fld>
             <a:endParaRPr lang="zh-CN" altLang="en-US"/>
           </a:p>
@@ -1748,6 +1721,7 @@
           <a:p>
             <a:fld id="{565CE74E-AB26-4998-AD42-012C4C1AD076}" type="slidenum">
               <a:rPr lang="zh-CN" altLang="en-US" smtClean="0"/>
+              <a:t>‹#›</a:t>
             </a:fld>
             <a:endParaRPr lang="zh-CN" altLang="en-US"/>
           </a:p>
@@ -1795,6 +1769,7 @@
           <a:p>
             <a:fld id="{D997B5FA-0921-464F-AAE1-844C04324D75}" type="datetimeFigureOut">
               <a:rPr lang="zh-CN" altLang="en-US" smtClean="0"/>
+              <a:t>2025/4/12</a:t>
             </a:fld>
             <a:endParaRPr lang="zh-CN" altLang="en-US"/>
           </a:p>
@@ -1836,6 +1811,7 @@
           <a:p>
             <a:fld id="{565CE74E-AB26-4998-AD42-012C4C1AD076}" type="slidenum">
               <a:rPr lang="zh-CN" altLang="en-US" smtClean="0"/>
+              <a:t>‹#›</a:t>
             </a:fld>
             <a:endParaRPr lang="zh-CN" altLang="en-US"/>
           </a:p>
@@ -1891,10 +1867,9 @@
           </a:lstStyle>
           <a:p>
             <a:r>
-              <a:rPr lang="zh-CN" altLang="en-US" smtClean="0"/>
+              <a:rPr lang="zh-CN" altLang="en-US"/>
               <a:t>单击此处编辑母版标题样式</a:t>
             </a:r>
-            <a:endParaRPr lang="zh-CN" altLang="en-US"/>
           </a:p>
         </p:txBody>
       </p:sp>
@@ -1948,42 +1923,37 @@
           <a:p>
             <a:pPr lvl="0"/>
             <a:r>
-              <a:rPr lang="zh-CN" altLang="en-US" smtClean="0"/>
+              <a:rPr lang="zh-CN" altLang="en-US"/>
               <a:t>单击此处编辑母版文本样式</a:t>
             </a:r>
-            <a:endParaRPr lang="zh-CN" altLang="en-US" smtClean="0"/>
           </a:p>
           <a:p>
             <a:pPr lvl="1"/>
             <a:r>
-              <a:rPr lang="zh-CN" altLang="en-US" smtClean="0"/>
+              <a:rPr lang="zh-CN" altLang="en-US"/>
               <a:t>第二级</a:t>
             </a:r>
-            <a:endParaRPr lang="zh-CN" altLang="en-US" smtClean="0"/>
           </a:p>
           <a:p>
             <a:pPr lvl="2"/>
             <a:r>
-              <a:rPr lang="zh-CN" altLang="en-US" smtClean="0"/>
+              <a:rPr lang="zh-CN" altLang="en-US"/>
               <a:t>第三级</a:t>
             </a:r>
-            <a:endParaRPr lang="zh-CN" altLang="en-US" smtClean="0"/>
           </a:p>
           <a:p>
             <a:pPr lvl="3"/>
             <a:r>
-              <a:rPr lang="zh-CN" altLang="en-US" smtClean="0"/>
+              <a:rPr lang="zh-CN" altLang="en-US"/>
               <a:t>第四级</a:t>
             </a:r>
-            <a:endParaRPr lang="zh-CN" altLang="en-US" smtClean="0"/>
           </a:p>
           <a:p>
             <a:pPr lvl="4"/>
             <a:r>
-              <a:rPr lang="zh-CN" altLang="en-US" smtClean="0"/>
+              <a:rPr lang="zh-CN" altLang="en-US"/>
               <a:t>第五级</a:t>
             </a:r>
-            <a:endParaRPr lang="zh-CN" altLang="en-US"/>
           </a:p>
         </p:txBody>
       </p:sp>
@@ -2046,10 +2016,9 @@
           <a:p>
             <a:pPr lvl="0"/>
             <a:r>
-              <a:rPr lang="zh-CN" altLang="en-US" smtClean="0"/>
+              <a:rPr lang="zh-CN" altLang="en-US"/>
               <a:t>单击此处编辑母版文本样式</a:t>
             </a:r>
-            <a:endParaRPr lang="zh-CN" altLang="en-US" smtClean="0"/>
           </a:p>
         </p:txBody>
       </p:sp>
@@ -2070,6 +2039,7 @@
           <a:p>
             <a:fld id="{D997B5FA-0921-464F-AAE1-844C04324D75}" type="datetimeFigureOut">
               <a:rPr lang="zh-CN" altLang="en-US" smtClean="0"/>
+              <a:t>2025/4/12</a:t>
             </a:fld>
             <a:endParaRPr lang="zh-CN" altLang="en-US"/>
           </a:p>
@@ -2111,6 +2081,7 @@
           <a:p>
             <a:fld id="{565CE74E-AB26-4998-AD42-012C4C1AD076}" type="slidenum">
               <a:rPr lang="zh-CN" altLang="en-US" smtClean="0"/>
+              <a:t>‹#›</a:t>
             </a:fld>
             <a:endParaRPr lang="zh-CN" altLang="en-US"/>
           </a:p>
@@ -2166,10 +2137,9 @@
           </a:lstStyle>
           <a:p>
             <a:r>
-              <a:rPr lang="zh-CN" altLang="en-US" smtClean="0"/>
+              <a:rPr lang="zh-CN" altLang="en-US"/>
               <a:t>单击此处编辑母版标题样式</a:t>
             </a:r>
-            <a:endParaRPr lang="zh-CN" altLang="en-US"/>
           </a:p>
         </p:txBody>
       </p:sp>
@@ -2293,10 +2263,9 @@
           <a:p>
             <a:pPr lvl="0"/>
             <a:r>
-              <a:rPr lang="zh-CN" altLang="en-US" smtClean="0"/>
+              <a:rPr lang="zh-CN" altLang="en-US"/>
               <a:t>单击此处编辑母版文本样式</a:t>
             </a:r>
-            <a:endParaRPr lang="zh-CN" altLang="en-US" smtClean="0"/>
           </a:p>
         </p:txBody>
       </p:sp>
@@ -2317,6 +2286,7 @@
           <a:p>
             <a:fld id="{D997B5FA-0921-464F-AAE1-844C04324D75}" type="datetimeFigureOut">
               <a:rPr lang="zh-CN" altLang="en-US" smtClean="0"/>
+              <a:t>2025/4/12</a:t>
             </a:fld>
             <a:endParaRPr lang="zh-CN" altLang="en-US"/>
           </a:p>
@@ -2358,6 +2328,7 @@
           <a:p>
             <a:fld id="{565CE74E-AB26-4998-AD42-012C4C1AD076}" type="slidenum">
               <a:rPr lang="zh-CN" altLang="en-US" smtClean="0"/>
+              <a:t>‹#›</a:t>
             </a:fld>
             <a:endParaRPr lang="zh-CN" altLang="en-US"/>
           </a:p>
@@ -2419,10 +2390,9 @@
           <a:lstStyle/>
           <a:p>
             <a:r>
-              <a:rPr lang="zh-CN" altLang="en-US" smtClean="0"/>
+              <a:rPr lang="zh-CN" altLang="en-US"/>
               <a:t>单击此处编辑母版标题样式</a:t>
             </a:r>
-            <a:endParaRPr lang="zh-CN" altLang="en-US"/>
           </a:p>
         </p:txBody>
       </p:sp>
@@ -2453,42 +2423,37 @@
           <a:p>
             <a:pPr lvl="0"/>
             <a:r>
-              <a:rPr lang="zh-CN" altLang="en-US" smtClean="0"/>
+              <a:rPr lang="zh-CN" altLang="en-US"/>
               <a:t>单击此处编辑母版文本样式</a:t>
             </a:r>
-            <a:endParaRPr lang="zh-CN" altLang="en-US" smtClean="0"/>
           </a:p>
           <a:p>
             <a:pPr lvl="1"/>
             <a:r>
-              <a:rPr lang="zh-CN" altLang="en-US" smtClean="0"/>
+              <a:rPr lang="zh-CN" altLang="en-US"/>
               <a:t>第二级</a:t>
             </a:r>
-            <a:endParaRPr lang="zh-CN" altLang="en-US" smtClean="0"/>
           </a:p>
           <a:p>
             <a:pPr lvl="2"/>
             <a:r>
-              <a:rPr lang="zh-CN" altLang="en-US" smtClean="0"/>
+              <a:rPr lang="zh-CN" altLang="en-US"/>
               <a:t>第三级</a:t>
             </a:r>
-            <a:endParaRPr lang="zh-CN" altLang="en-US" smtClean="0"/>
           </a:p>
           <a:p>
             <a:pPr lvl="3"/>
             <a:r>
-              <a:rPr lang="zh-CN" altLang="en-US" smtClean="0"/>
+              <a:rPr lang="zh-CN" altLang="en-US"/>
               <a:t>第四级</a:t>
             </a:r>
-            <a:endParaRPr lang="zh-CN" altLang="en-US" smtClean="0"/>
           </a:p>
           <a:p>
             <a:pPr lvl="4"/>
             <a:r>
-              <a:rPr lang="zh-CN" altLang="en-US" smtClean="0"/>
+              <a:rPr lang="zh-CN" altLang="en-US"/>
               <a:t>第五级</a:t>
             </a:r>
-            <a:endParaRPr lang="zh-CN" altLang="en-US"/>
           </a:p>
         </p:txBody>
       </p:sp>
@@ -2527,6 +2492,7 @@
           <a:p>
             <a:fld id="{D997B5FA-0921-464F-AAE1-844C04324D75}" type="datetimeFigureOut">
               <a:rPr lang="zh-CN" altLang="en-US" smtClean="0"/>
+              <a:t>2025/4/12</a:t>
             </a:fld>
             <a:endParaRPr lang="zh-CN" altLang="en-US"/>
           </a:p>
@@ -2604,6 +2570,7 @@
           <a:p>
             <a:fld id="{565CE74E-AB26-4998-AD42-012C4C1AD076}" type="slidenum">
               <a:rPr lang="zh-CN" altLang="en-US" smtClean="0"/>
+              <a:t>‹#›</a:t>
             </a:fld>
             <a:endParaRPr lang="zh-CN" altLang="en-US"/>
           </a:p>
@@ -2917,7 +2884,14 @@
         <p:cNvGrpSpPr/>
         <p:nvPr/>
       </p:nvGrpSpPr>
-      <p:grpSpPr/>
+      <p:grpSpPr>
+        <a:xfrm>
+          <a:off x="0" y="0"/>
+          <a:ext cx="0" cy="0"/>
+          <a:chOff x="0" y="0"/>
+          <a:chExt cx="0" cy="0"/>
+        </a:xfrm>
+      </p:grpSpPr>
       <p:sp>
         <p:nvSpPr>
           <p:cNvPr id="12" name="矩形 11"/>
@@ -2962,9 +2936,10 @@
         </p:style>
         <p:txBody>
           <a:bodyPr rtlCol="0" anchor="ctr"/>
+          <a:lstStyle/>
           <a:p>
             <a:pPr algn="ctr"/>
-            <a:endParaRPr lang="en-US" altLang="zh-CN">
+            <a:endParaRPr lang="en-US" altLang="zh-CN" dirty="0">
               <a:latin typeface="Times New Roman" panose="02020603050405020304" charset="0"/>
               <a:cs typeface="Times New Roman" panose="02020603050405020304" charset="0"/>
             </a:endParaRPr>
@@ -2990,6 +2965,7 @@
           <a:bodyPr wrap="square" lIns="46990" tIns="46990" rIns="46990" bIns="46990">
             <a:spAutoFit/>
           </a:bodyPr>
+          <a:lstStyle/>
           <a:p>
             <a:r>
               <a:rPr lang="zh-CN" altLang="en-US" sz="1200">
@@ -3013,14 +2989,6 @@
               </a:rPr>
               <a:t>296*128px</a:t>
             </a:r>
-            <a:endParaRPr lang="en-US" altLang="zh-CN" sz="1200">
-              <a:solidFill>
-                <a:srgbClr val="000000"/>
-              </a:solidFill>
-              <a:latin typeface="Times New Roman" panose="02020603050405020304" charset="0"/>
-              <a:ea typeface="Calibri" panose="020F0502020204030204"/>
-              <a:cs typeface="Times New Roman" panose="02020603050405020304" charset="0"/>
-            </a:endParaRPr>
           </a:p>
         </p:txBody>
       </p:sp>
@@ -3075,6 +3043,7 @@
         </p:style>
         <p:txBody>
           <a:bodyPr lIns="0" tIns="0" rIns="0" bIns="0" rtlCol="0" anchor="ctr"/>
+          <a:lstStyle/>
           <a:p>
             <a:pPr algn="l"/>
             <a:r>
@@ -3087,13 +3056,6 @@
               </a:rPr>
               <a:t>510</a:t>
             </a:r>
-            <a:endParaRPr lang="en-US" altLang="zh-CN" sz="1200">
-              <a:solidFill>
-                <a:schemeClr val="tx1"/>
-              </a:solidFill>
-              <a:latin typeface="Times New Roman" panose="02020603050405020304" charset="0"/>
-              <a:cs typeface="Times New Roman" panose="02020603050405020304" charset="0"/>
-            </a:endParaRPr>
           </a:p>
         </p:txBody>
       </p:sp>
@@ -3106,7 +3068,7 @@
           <p:nvPr/>
         </p:nvPicPr>
         <p:blipFill>
-          <a:blip r:embed="rId1"/>
+          <a:blip r:embed="rId2"/>
           <a:stretch>
             <a:fillRect/>
           </a:stretch>
@@ -3172,6 +3134,7 @@
         </p:style>
         <p:txBody>
           <a:bodyPr rtlCol="0" anchor="ctr"/>
+          <a:lstStyle/>
           <a:p>
             <a:pPr algn="l"/>
             <a:endParaRPr lang="en-US" altLang="zh-CN" sz="1200">
@@ -3235,6 +3198,7 @@
         </p:style>
         <p:txBody>
           <a:bodyPr rtlCol="0" anchor="ctr"/>
+          <a:lstStyle/>
           <a:p>
             <a:pPr algn="l"/>
             <a:endParaRPr lang="en-US" altLang="zh-CN" sz="1200">
@@ -3298,6 +3262,7 @@
         </p:style>
         <p:txBody>
           <a:bodyPr lIns="0" tIns="0" rIns="0" bIns="0" rtlCol="0" anchor="ctr"/>
+          <a:lstStyle/>
           <a:p>
             <a:pPr algn="ctr">
               <a:lnSpc>
@@ -3314,13 +3279,6 @@
               </a:rPr>
               <a:t>23:00</a:t>
             </a:r>
-            <a:endParaRPr lang="en-US" altLang="zh-CN">
-              <a:solidFill>
-                <a:schemeClr val="tx1"/>
-              </a:solidFill>
-              <a:latin typeface="Times New Roman" panose="02020603050405020304" charset="0"/>
-              <a:cs typeface="Times New Roman" panose="02020603050405020304" charset="0"/>
-            </a:endParaRPr>
           </a:p>
           <a:p>
             <a:pPr algn="ctr">
@@ -3338,13 +3296,6 @@
               </a:rPr>
               <a:t>2024-11-8</a:t>
             </a:r>
-            <a:endParaRPr lang="en-US" altLang="zh-CN" sz="1000">
-              <a:solidFill>
-                <a:schemeClr val="tx1"/>
-              </a:solidFill>
-              <a:latin typeface="Times New Roman" panose="02020603050405020304" charset="0"/>
-              <a:cs typeface="Times New Roman" panose="02020603050405020304" charset="0"/>
-            </a:endParaRPr>
           </a:p>
         </p:txBody>
       </p:sp>
@@ -3357,7 +3308,7 @@
           <p:nvPr/>
         </p:nvPicPr>
         <p:blipFill>
-          <a:blip r:embed="rId2"/>
+          <a:blip r:embed="rId3"/>
           <a:stretch>
             <a:fillRect/>
           </a:stretch>
@@ -3423,6 +3374,7 @@
         </p:style>
         <p:txBody>
           <a:bodyPr rtlCol="0" anchor="ctr"/>
+          <a:lstStyle/>
           <a:p>
             <a:pPr algn="l"/>
             <a:endParaRPr lang="en-US" altLang="zh-CN" sz="1200">
@@ -3438,30 +3390,6 @@
       <p:pic>
         <p:nvPicPr>
           <p:cNvPr id="16" name="图片 15" descr="浇水"/>
-          <p:cNvPicPr>
-            <a:picLocks noChangeAspect="1"/>
-          </p:cNvPicPr>
-          <p:nvPr/>
-        </p:nvPicPr>
-        <p:blipFill>
-          <a:blip r:embed="rId3"/>
-          <a:stretch>
-            <a:fillRect/>
-          </a:stretch>
-        </p:blipFill>
-        <p:spPr>
-          <a:xfrm>
-            <a:off x="3487420" y="3392170"/>
-            <a:ext cx="180000" cy="180000"/>
-          </a:xfrm>
-          <a:prstGeom prst="rect">
-            <a:avLst/>
-          </a:prstGeom>
-        </p:spPr>
-      </p:pic>
-      <p:pic>
-        <p:nvPicPr>
-          <p:cNvPr id="19" name="图片 18" descr="海底捞logo_支付宝生活号"/>
           <p:cNvPicPr>
             <a:picLocks noChangeAspect="1"/>
           </p:cNvPicPr>
@@ -3475,6 +3403,30 @@
         </p:blipFill>
         <p:spPr>
           <a:xfrm>
+            <a:off x="3487420" y="3392170"/>
+            <a:ext cx="180000" cy="180000"/>
+          </a:xfrm>
+          <a:prstGeom prst="rect">
+            <a:avLst/>
+          </a:prstGeom>
+        </p:spPr>
+      </p:pic>
+      <p:pic>
+        <p:nvPicPr>
+          <p:cNvPr id="19" name="图片 18" descr="海底捞logo_支付宝生活号"/>
+          <p:cNvPicPr>
+            <a:picLocks noChangeAspect="1"/>
+          </p:cNvPicPr>
+          <p:nvPr/>
+        </p:nvPicPr>
+        <p:blipFill>
+          <a:blip r:embed="rId5"/>
+          <a:stretch>
+            <a:fillRect/>
+          </a:stretch>
+        </p:blipFill>
+        <p:spPr>
+          <a:xfrm>
             <a:off x="4531995" y="3655695"/>
             <a:ext cx="180000" cy="180000"/>
           </a:xfrm>
@@ -3492,7 +3444,7 @@
           <p:nvPr/>
         </p:nvPicPr>
         <p:blipFill>
-          <a:blip r:embed="rId5"/>
+          <a:blip r:embed="rId6"/>
           <a:stretch>
             <a:fillRect/>
           </a:stretch>
@@ -3558,6 +3510,7 @@
         </p:style>
         <p:txBody>
           <a:bodyPr lIns="0" tIns="0" rIns="0" bIns="0" rtlCol="0" anchor="ctr"/>
+          <a:lstStyle/>
           <a:p>
             <a:pPr algn="l"/>
             <a:r>
@@ -3570,13 +3523,6 @@
               </a:rPr>
               <a:t>3</a:t>
             </a:r>
-            <a:endParaRPr lang="en-US" altLang="zh-CN" sz="1200">
-              <a:solidFill>
-                <a:schemeClr val="tx1"/>
-              </a:solidFill>
-              <a:latin typeface="Times New Roman" panose="02020603050405020304" charset="0"/>
-              <a:cs typeface="Times New Roman" panose="02020603050405020304" charset="0"/>
-            </a:endParaRPr>
           </a:p>
         </p:txBody>
       </p:sp>
@@ -3605,15 +3551,6 @@
             </a:solidFill>
             <a:prstDash val="solid"/>
           </a:ln>
-          <a:extLst>
-            <a:ext uri="{909E8E84-426E-40DD-AFC4-6F175D3DCCD1}">
-              <a14:hiddenFill xmlns:a14="http://schemas.microsoft.com/office/drawing/2010/main">
-                <a:solidFill>
-                  <a:schemeClr val="bg1"/>
-                </a:solidFill>
-              </a14:hiddenFill>
-            </a:ext>
-          </a:extLst>
         </p:spPr>
         <p:style>
           <a:lnRef idx="2">
@@ -3633,6 +3570,7 @@
         </p:style>
         <p:txBody>
           <a:bodyPr rtlCol="0" anchor="ctr"/>
+          <a:lstStyle/>
           <a:p>
             <a:pPr algn="l"/>
             <a:endParaRPr lang="en-US" altLang="zh-CN" sz="1200">
@@ -3670,15 +3608,6 @@
             </a:solidFill>
             <a:prstDash val="solid"/>
           </a:ln>
-          <a:extLst>
-            <a:ext uri="{909E8E84-426E-40DD-AFC4-6F175D3DCCD1}">
-              <a14:hiddenFill xmlns:a14="http://schemas.microsoft.com/office/drawing/2010/main">
-                <a:solidFill>
-                  <a:schemeClr val="bg1"/>
-                </a:solidFill>
-              </a14:hiddenFill>
-            </a:ext>
-          </a:extLst>
         </p:spPr>
         <p:style>
           <a:lnRef idx="2">
@@ -3698,6 +3627,7 @@
         </p:style>
         <p:txBody>
           <a:bodyPr rtlCol="0" anchor="ctr"/>
+          <a:lstStyle/>
           <a:p>
             <a:pPr algn="l"/>
             <a:endParaRPr lang="en-US" altLang="zh-CN" sz="1200">
@@ -3735,15 +3665,6 @@
             </a:solidFill>
             <a:prstDash val="solid"/>
           </a:ln>
-          <a:extLst>
-            <a:ext uri="{909E8E84-426E-40DD-AFC4-6F175D3DCCD1}">
-              <a14:hiddenFill xmlns:a14="http://schemas.microsoft.com/office/drawing/2010/main">
-                <a:solidFill>
-                  <a:schemeClr val="bg1"/>
-                </a:solidFill>
-              </a14:hiddenFill>
-            </a:ext>
-          </a:extLst>
         </p:spPr>
         <p:style>
           <a:lnRef idx="2">
@@ -3763,6 +3684,7 @@
         </p:style>
         <p:txBody>
           <a:bodyPr rtlCol="0" anchor="ctr"/>
+          <a:lstStyle/>
           <a:p>
             <a:pPr algn="l"/>
             <a:endParaRPr lang="en-US" altLang="zh-CN" sz="1200">
@@ -3800,15 +3722,6 @@
             </a:solidFill>
             <a:prstDash val="solid"/>
           </a:ln>
-          <a:extLst>
-            <a:ext uri="{909E8E84-426E-40DD-AFC4-6F175D3DCCD1}">
-              <a14:hiddenFill xmlns:a14="http://schemas.microsoft.com/office/drawing/2010/main">
-                <a:solidFill>
-                  <a:schemeClr val="bg1"/>
-                </a:solidFill>
-              </a14:hiddenFill>
-            </a:ext>
-          </a:extLst>
         </p:spPr>
         <p:style>
           <a:lnRef idx="2">
@@ -3828,6 +3741,7 @@
         </p:style>
         <p:txBody>
           <a:bodyPr rtlCol="0" anchor="ctr"/>
+          <a:lstStyle/>
           <a:p>
             <a:pPr algn="l"/>
             <a:endParaRPr lang="en-US" altLang="zh-CN" sz="1200">
@@ -3891,6 +3805,7 @@
         </p:style>
         <p:txBody>
           <a:bodyPr rtlCol="0" anchor="ctr"/>
+          <a:lstStyle/>
           <a:p>
             <a:pPr algn="l"/>
             <a:endParaRPr lang="en-US" altLang="zh-CN" sz="1200">
@@ -3928,15 +3843,6 @@
             </a:solidFill>
             <a:prstDash val="solid"/>
           </a:ln>
-          <a:extLst>
-            <a:ext uri="{909E8E84-426E-40DD-AFC4-6F175D3DCCD1}">
-              <a14:hiddenFill xmlns:a14="http://schemas.microsoft.com/office/drawing/2010/main">
-                <a:solidFill>
-                  <a:schemeClr val="bg1"/>
-                </a:solidFill>
-              </a14:hiddenFill>
-            </a:ext>
-          </a:extLst>
         </p:spPr>
         <p:style>
           <a:lnRef idx="2">
@@ -3956,6 +3862,7 @@
         </p:style>
         <p:txBody>
           <a:bodyPr rtlCol="0" anchor="ctr"/>
+          <a:lstStyle/>
           <a:p>
             <a:pPr algn="l"/>
             <a:endParaRPr lang="en-US" altLang="zh-CN" sz="1200">
@@ -3993,15 +3900,6 @@
             </a:solidFill>
             <a:prstDash val="solid"/>
           </a:ln>
-          <a:extLst>
-            <a:ext uri="{909E8E84-426E-40DD-AFC4-6F175D3DCCD1}">
-              <a14:hiddenFill xmlns:a14="http://schemas.microsoft.com/office/drawing/2010/main">
-                <a:solidFill>
-                  <a:schemeClr val="bg1"/>
-                </a:solidFill>
-              </a14:hiddenFill>
-            </a:ext>
-          </a:extLst>
         </p:spPr>
         <p:style>
           <a:lnRef idx="2">
@@ -4021,6 +3919,7 @@
         </p:style>
         <p:txBody>
           <a:bodyPr rtlCol="0" anchor="ctr"/>
+          <a:lstStyle/>
           <a:p>
             <a:pPr algn="l"/>
             <a:endParaRPr lang="en-US" altLang="zh-CN" sz="1200">
@@ -4058,15 +3957,6 @@
             </a:solidFill>
             <a:prstDash val="solid"/>
           </a:ln>
-          <a:extLst>
-            <a:ext uri="{909E8E84-426E-40DD-AFC4-6F175D3DCCD1}">
-              <a14:hiddenFill xmlns:a14="http://schemas.microsoft.com/office/drawing/2010/main">
-                <a:solidFill>
-                  <a:schemeClr val="bg1"/>
-                </a:solidFill>
-              </a14:hiddenFill>
-            </a:ext>
-          </a:extLst>
         </p:spPr>
         <p:style>
           <a:lnRef idx="2">
@@ -4086,6 +3976,7 @@
         </p:style>
         <p:txBody>
           <a:bodyPr rtlCol="0" anchor="ctr"/>
+          <a:lstStyle/>
           <a:p>
             <a:pPr algn="l"/>
             <a:endParaRPr lang="en-US" altLang="zh-CN" sz="1200">
@@ -4149,6 +4040,7 @@
         </p:style>
         <p:txBody>
           <a:bodyPr rtlCol="0" anchor="ctr"/>
+          <a:lstStyle/>
           <a:p>
             <a:pPr algn="l"/>
             <a:endParaRPr lang="en-US" altLang="zh-CN" sz="1200">
@@ -4212,6 +4104,7 @@
         </p:style>
         <p:txBody>
           <a:bodyPr rtlCol="0" anchor="ctr"/>
+          <a:lstStyle/>
           <a:p>
             <a:pPr algn="l"/>
             <a:endParaRPr lang="en-US" altLang="zh-CN" sz="1200">
@@ -4275,6 +4168,7 @@
         </p:style>
         <p:txBody>
           <a:bodyPr rtlCol="0" anchor="ctr"/>
+          <a:lstStyle/>
           <a:p>
             <a:pPr algn="l"/>
             <a:endParaRPr lang="en-US" altLang="zh-CN" sz="1200">
@@ -4338,6 +4232,7 @@
         </p:style>
         <p:txBody>
           <a:bodyPr rtlCol="0" anchor="ctr"/>
+          <a:lstStyle/>
           <a:p>
             <a:pPr algn="l"/>
             <a:endParaRPr lang="en-US" altLang="zh-CN" sz="1200">
@@ -4401,6 +4296,7 @@
         </p:style>
         <p:txBody>
           <a:bodyPr rtlCol="0" anchor="ctr"/>
+          <a:lstStyle/>
           <a:p>
             <a:pPr algn="l"/>
             <a:endParaRPr lang="en-US" altLang="zh-CN" sz="1200">
@@ -4464,6 +4360,7 @@
         </p:style>
         <p:txBody>
           <a:bodyPr rtlCol="0" anchor="ctr"/>
+          <a:lstStyle/>
           <a:p>
             <a:pPr algn="l"/>
             <a:endParaRPr lang="en-US" altLang="zh-CN" sz="1200">
@@ -4527,6 +4424,7 @@
         </p:style>
         <p:txBody>
           <a:bodyPr rtlCol="0" anchor="ctr"/>
+          <a:lstStyle/>
           <a:p>
             <a:pPr algn="l"/>
             <a:endParaRPr lang="en-US" altLang="zh-CN" sz="1200">
@@ -4590,6 +4488,7 @@
         </p:style>
         <p:txBody>
           <a:bodyPr rtlCol="0" anchor="ctr"/>
+          <a:lstStyle/>
           <a:p>
             <a:pPr algn="l"/>
             <a:endParaRPr lang="en-US" altLang="zh-CN" sz="1200">
@@ -4653,6 +4552,7 @@
         </p:style>
         <p:txBody>
           <a:bodyPr rtlCol="0" anchor="ctr"/>
+          <a:lstStyle/>
           <a:p>
             <a:pPr algn="l"/>
             <a:endParaRPr lang="en-US" altLang="zh-CN" sz="1200">
@@ -4716,6 +4616,7 @@
         </p:style>
         <p:txBody>
           <a:bodyPr rtlCol="0" anchor="ctr"/>
+          <a:lstStyle/>
           <a:p>
             <a:pPr algn="l"/>
             <a:endParaRPr lang="en-US" altLang="zh-CN" sz="1200">
@@ -4737,7 +4638,7 @@
           <p:nvPr/>
         </p:nvPicPr>
         <p:blipFill>
-          <a:blip r:embed="rId6"/>
+          <a:blip r:embed="rId7"/>
           <a:stretch>
             <a:fillRect/>
           </a:stretch>
@@ -4803,6 +4704,7 @@
         </p:style>
         <p:txBody>
           <a:bodyPr lIns="0" tIns="0" rIns="0" bIns="0" rtlCol="0" anchor="ctr"/>
+          <a:lstStyle/>
           <a:p>
             <a:pPr algn="ctr">
               <a:lnSpc>
@@ -4819,13 +4721,6 @@
               </a:rPr>
               <a:t>主图</a:t>
             </a:r>
-            <a:endParaRPr lang="zh-CN" altLang="en-US" sz="1600">
-              <a:solidFill>
-                <a:schemeClr val="tx1"/>
-              </a:solidFill>
-              <a:latin typeface="Times New Roman" panose="02020603050405020304" charset="0"/>
-              <a:cs typeface="Times New Roman" panose="02020603050405020304" charset="0"/>
-            </a:endParaRPr>
           </a:p>
           <a:p>
             <a:pPr algn="ctr">
@@ -4843,13 +4738,6 @@
               </a:rPr>
               <a:t>100*128</a:t>
             </a:r>
-            <a:endParaRPr lang="en-US" altLang="zh-CN" sz="1600">
-              <a:solidFill>
-                <a:schemeClr val="tx1"/>
-              </a:solidFill>
-              <a:latin typeface="Times New Roman" panose="02020603050405020304" charset="0"/>
-              <a:cs typeface="Times New Roman" panose="02020603050405020304" charset="0"/>
-            </a:endParaRPr>
           </a:p>
         </p:txBody>
       </p:sp>
@@ -4946,6 +4834,7 @@
           <a:bodyPr wrap="square" lIns="0" tIns="0" rIns="0" bIns="0">
             <a:spAutoFit/>
           </a:bodyPr>
+          <a:lstStyle/>
           <a:p>
             <a:pPr algn="ctr"/>
             <a:r>
@@ -4959,14 +4848,6 @@
               </a:rPr>
               <a:t>x</a:t>
             </a:r>
-            <a:endParaRPr lang="en-US" sz="1200">
-              <a:solidFill>
-                <a:srgbClr val="FF0000"/>
-              </a:solidFill>
-              <a:latin typeface="Times New Roman" panose="02020603050405020304" charset="0"/>
-              <a:ea typeface="Calibri" panose="020F0502020204030204"/>
-              <a:cs typeface="Times New Roman" panose="02020603050405020304" charset="0"/>
-            </a:endParaRPr>
           </a:p>
         </p:txBody>
       </p:sp>
@@ -4989,6 +4870,7 @@
           <a:bodyPr wrap="square" lIns="0" tIns="0" rIns="0" bIns="0">
             <a:spAutoFit/>
           </a:bodyPr>
+          <a:lstStyle/>
           <a:p>
             <a:pPr algn="ctr"/>
             <a:r>
@@ -5002,14 +4884,6 @@
               </a:rPr>
               <a:t>y</a:t>
             </a:r>
-            <a:endParaRPr lang="en-US" sz="1200">
-              <a:solidFill>
-                <a:srgbClr val="00B050"/>
-              </a:solidFill>
-              <a:latin typeface="Times New Roman" panose="02020603050405020304" charset="0"/>
-              <a:ea typeface="Calibri" panose="020F0502020204030204"/>
-              <a:cs typeface="Times New Roman" panose="02020603050405020304" charset="0"/>
-            </a:endParaRPr>
           </a:p>
         </p:txBody>
       </p:sp>
@@ -5064,6 +4938,7 @@
         </p:style>
         <p:txBody>
           <a:bodyPr lIns="0" tIns="0" rIns="0" bIns="0" rtlCol="0" anchor="ctr"/>
+          <a:lstStyle/>
           <a:p>
             <a:pPr algn="ctr"/>
             <a:r>
@@ -5076,13 +4951,6 @@
               </a:rPr>
               <a:t>小图标</a:t>
             </a:r>
-            <a:endParaRPr lang="zh-CN" altLang="en-US" sz="500" b="1">
-              <a:solidFill>
-                <a:schemeClr val="tx1"/>
-              </a:solidFill>
-              <a:latin typeface="Times New Roman" panose="02020603050405020304" charset="0"/>
-              <a:cs typeface="Times New Roman" panose="02020603050405020304" charset="0"/>
-            </a:endParaRPr>
           </a:p>
           <a:p>
             <a:pPr algn="ctr"/>
@@ -5096,13 +4964,6 @@
               </a:rPr>
               <a:t>32*32</a:t>
             </a:r>
-            <a:endParaRPr lang="en-US" altLang="zh-CN" sz="500" b="1">
-              <a:solidFill>
-                <a:schemeClr val="tx1"/>
-              </a:solidFill>
-              <a:latin typeface="Times New Roman" panose="02020603050405020304" charset="0"/>
-              <a:cs typeface="Times New Roman" panose="02020603050405020304" charset="0"/>
-            </a:endParaRPr>
           </a:p>
         </p:txBody>
       </p:sp>
@@ -5123,34 +4984,17 @@
         <p:cNvGrpSpPr/>
         <p:nvPr/>
       </p:nvGrpSpPr>
-      <p:grpSpPr/>
+      <p:grpSpPr>
+        <a:xfrm>
+          <a:off x="0" y="0"/>
+          <a:ext cx="0" cy="0"/>
+          <a:chOff x="0" y="0"/>
+          <a:chExt cx="0" cy="0"/>
+        </a:xfrm>
+      </p:grpSpPr>
       <p:pic>
         <p:nvPicPr>
           <p:cNvPr id="4" name="图片 3"/>
-          <p:cNvPicPr>
-            <a:picLocks noChangeAspect="1"/>
-          </p:cNvPicPr>
-          <p:nvPr/>
-        </p:nvPicPr>
-        <p:blipFill>
-          <a:blip r:embed="rId1"/>
-          <a:stretch>
-            <a:fillRect/>
-          </a:stretch>
-        </p:blipFill>
-        <p:spPr>
-          <a:xfrm>
-            <a:off x="2037715" y="1042670"/>
-            <a:ext cx="4011295" cy="1765300"/>
-          </a:xfrm>
-          <a:prstGeom prst="rect">
-            <a:avLst/>
-          </a:prstGeom>
-        </p:spPr>
-      </p:pic>
-      <p:pic>
-        <p:nvPicPr>
-          <p:cNvPr id="5" name="图片 4"/>
           <p:cNvPicPr>
             <a:picLocks noChangeAspect="1"/>
           </p:cNvPicPr>
@@ -5164,14 +5008,38 @@
         </p:blipFill>
         <p:spPr>
           <a:xfrm>
-            <a:off x="6049010" y="1042670"/>
-            <a:ext cx="3954145" cy="1765300"/>
+            <a:off x="2037715" y="1042670"/>
+            <a:ext cx="4011295" cy="1765300"/>
           </a:xfrm>
           <a:prstGeom prst="rect">
             <a:avLst/>
           </a:prstGeom>
         </p:spPr>
       </p:pic>
+      <p:pic>
+        <p:nvPicPr>
+          <p:cNvPr id="5" name="图片 4"/>
+          <p:cNvPicPr>
+            <a:picLocks noChangeAspect="1"/>
+          </p:cNvPicPr>
+          <p:nvPr/>
+        </p:nvPicPr>
+        <p:blipFill>
+          <a:blip r:embed="rId3"/>
+          <a:stretch>
+            <a:fillRect/>
+          </a:stretch>
+        </p:blipFill>
+        <p:spPr>
+          <a:xfrm>
+            <a:off x="6049010" y="1042670"/>
+            <a:ext cx="3954145" cy="1765300"/>
+          </a:xfrm>
+          <a:prstGeom prst="rect">
+            <a:avLst/>
+          </a:prstGeom>
+        </p:spPr>
+      </p:pic>
       <p:sp>
         <p:nvSpPr>
           <p:cNvPr id="6" name="文本框 5"/>
@@ -5191,6 +5059,7 @@
           <a:bodyPr wrap="square" lIns="46990" tIns="46990" rIns="46990" bIns="46990">
             <a:spAutoFit/>
           </a:bodyPr>
+          <a:lstStyle/>
           <a:p>
             <a:pPr algn="ctr"/>
             <a:r>
@@ -5215,14 +5084,6 @@
               </a:rPr>
               <a:t>导入图片</a:t>
             </a:r>
-            <a:endParaRPr lang="zh-CN" altLang="en-US" sz="900" b="1">
-              <a:solidFill>
-                <a:srgbClr val="FF0000"/>
-              </a:solidFill>
-              <a:latin typeface="Times New Roman" panose="02020603050405020304" charset="0"/>
-              <a:ea typeface="Calibri" panose="020F0502020204030204"/>
-              <a:cs typeface="Times New Roman" panose="02020603050405020304" charset="0"/>
-            </a:endParaRPr>
           </a:p>
         </p:txBody>
       </p:sp>
@@ -5250,6 +5111,7 @@
           <a:bodyPr wrap="square" lIns="46990" tIns="46990" rIns="46990" bIns="46990">
             <a:noAutofit/>
           </a:bodyPr>
+          <a:lstStyle/>
           <a:p>
             <a:endParaRPr lang="en-US" altLang="zh-CN" sz="1200">
               <a:ln>
@@ -5291,6 +5153,7 @@
           <a:bodyPr wrap="square" lIns="46990" tIns="46990" rIns="46990" bIns="46990">
             <a:noAutofit/>
           </a:bodyPr>
+          <a:lstStyle/>
           <a:p>
             <a:endParaRPr lang="en-US" altLang="zh-CN" sz="1200">
               <a:ln>
@@ -5332,6 +5195,7 @@
           <a:bodyPr wrap="square" lIns="46990" tIns="46990" rIns="46990" bIns="46990">
             <a:noAutofit/>
           </a:bodyPr>
+          <a:lstStyle/>
           <a:p>
             <a:endParaRPr lang="en-US" altLang="zh-CN" sz="1200">
               <a:ln>
@@ -5405,6 +5269,7 @@
           <a:bodyPr wrap="square" lIns="46990" tIns="46990" rIns="46990" bIns="46990">
             <a:spAutoFit/>
           </a:bodyPr>
+          <a:lstStyle/>
           <a:p>
             <a:pPr algn="ctr"/>
             <a:r>
@@ -5427,27 +5292,8 @@
                 <a:ea typeface="Calibri" panose="020F0502020204030204"/>
                 <a:cs typeface="Times New Roman" panose="02020603050405020304" charset="0"/>
               </a:rPr>
-              <a:t>水平</a:t>
-            </a:r>
-            <a:r>
-              <a:rPr lang="zh-CN" altLang="en-US" sz="900" b="1">
-                <a:solidFill>
-                  <a:srgbClr val="FF0000"/>
-                </a:solidFill>
-                <a:latin typeface="Times New Roman" panose="02020603050405020304" charset="0"/>
-                <a:ea typeface="Calibri" panose="020F0502020204030204"/>
-                <a:cs typeface="Times New Roman" panose="02020603050405020304" charset="0"/>
-              </a:rPr>
-              <a:t>翻转</a:t>
-            </a:r>
-            <a:endParaRPr lang="zh-CN" altLang="en-US" sz="900" b="1">
-              <a:solidFill>
-                <a:srgbClr val="FF0000"/>
-              </a:solidFill>
-              <a:latin typeface="Times New Roman" panose="02020603050405020304" charset="0"/>
-              <a:ea typeface="Calibri" panose="020F0502020204030204"/>
-              <a:cs typeface="Times New Roman" panose="02020603050405020304" charset="0"/>
-            </a:endParaRPr>
+              <a:t>水平翻转</a:t>
+            </a:r>
           </a:p>
         </p:txBody>
       </p:sp>
@@ -5507,6 +5353,7 @@
           <a:bodyPr wrap="square" lIns="46990" tIns="46990" rIns="46990" bIns="46990">
             <a:spAutoFit/>
           </a:bodyPr>
+          <a:lstStyle/>
           <a:p>
             <a:pPr algn="ctr"/>
             <a:r>
@@ -5531,14 +5378,6 @@
               </a:rPr>
               <a:t>导入图片</a:t>
             </a:r>
-            <a:endParaRPr lang="zh-CN" altLang="en-US" sz="900" b="1">
-              <a:solidFill>
-                <a:srgbClr val="FF0000"/>
-              </a:solidFill>
-              <a:latin typeface="Times New Roman" panose="02020603050405020304" charset="0"/>
-              <a:ea typeface="Calibri" panose="020F0502020204030204"/>
-              <a:cs typeface="Times New Roman" panose="02020603050405020304" charset="0"/>
-            </a:endParaRPr>
           </a:p>
         </p:txBody>
       </p:sp>
@@ -5561,6 +5400,7 @@
           <a:bodyPr wrap="square" lIns="46990" tIns="46990" rIns="46990" bIns="46990">
             <a:spAutoFit/>
           </a:bodyPr>
+          <a:lstStyle/>
           <a:p>
             <a:pPr algn="ctr"/>
             <a:r>
@@ -5585,14 +5425,6 @@
               </a:rPr>
               <a:t>旋转</a:t>
             </a:r>
-            <a:endParaRPr lang="zh-CN" altLang="en-US" sz="900" b="1">
-              <a:solidFill>
-                <a:srgbClr val="FF0000"/>
-              </a:solidFill>
-              <a:latin typeface="Times New Roman" panose="02020603050405020304" charset="0"/>
-              <a:ea typeface="Calibri" panose="020F0502020204030204"/>
-              <a:cs typeface="Times New Roman" panose="02020603050405020304" charset="0"/>
-            </a:endParaRPr>
           </a:p>
         </p:txBody>
       </p:sp>
@@ -5660,6 +5492,7 @@
           <a:bodyPr wrap="square" lIns="46990" tIns="46990" rIns="46990" bIns="46990">
             <a:noAutofit/>
           </a:bodyPr>
+          <a:lstStyle/>
           <a:p>
             <a:endParaRPr lang="en-US" altLang="zh-CN" sz="1200">
               <a:ln>
@@ -5696,6 +5529,7 @@
           <a:bodyPr wrap="square" lIns="46990" tIns="46990" rIns="46990" bIns="46990">
             <a:spAutoFit/>
           </a:bodyPr>
+          <a:lstStyle/>
           <a:p>
             <a:pPr algn="ctr"/>
             <a:r>
@@ -5718,27 +5552,8 @@
                 <a:ea typeface="Calibri" panose="020F0502020204030204"/>
                 <a:cs typeface="Times New Roman" panose="02020603050405020304" charset="0"/>
               </a:rPr>
-              <a:t>导出</a:t>
-            </a:r>
-            <a:r>
-              <a:rPr lang="zh-CN" altLang="en-US" sz="900" b="1">
-                <a:solidFill>
-                  <a:srgbClr val="FF0000"/>
-                </a:solidFill>
-                <a:latin typeface="Times New Roman" panose="02020603050405020304" charset="0"/>
-                <a:ea typeface="Calibri" panose="020F0502020204030204"/>
-                <a:cs typeface="Times New Roman" panose="02020603050405020304" charset="0"/>
-              </a:rPr>
-              <a:t>代码</a:t>
-            </a:r>
-            <a:endParaRPr lang="zh-CN" altLang="en-US" sz="900" b="1">
-              <a:solidFill>
-                <a:srgbClr val="FF0000"/>
-              </a:solidFill>
-              <a:latin typeface="Times New Roman" panose="02020603050405020304" charset="0"/>
-              <a:ea typeface="Calibri" panose="020F0502020204030204"/>
-              <a:cs typeface="Times New Roman" panose="02020603050405020304" charset="0"/>
-            </a:endParaRPr>
+              <a:t>导出代码</a:t>
+            </a:r>
           </a:p>
         </p:txBody>
       </p:sp>
@@ -5791,7 +5606,7 @@
           <p:nvPr/>
         </p:nvPicPr>
         <p:blipFill>
-          <a:blip r:embed="rId3"/>
+          <a:blip r:embed="rId4"/>
           <a:stretch>
             <a:fillRect/>
           </a:stretch>
@@ -5852,8 +5667,8 @@
 </file>
 
 <file path=ppt/tags/tag1.xml><?xml version="1.0" encoding="utf-8"?>
-<p:tagLst xmlns:p="http://schemas.openxmlformats.org/presentationml/2006/main">
-  <p:tag name="commondata" val="eyJoZGlkIjoiODJjZTVlYzc1ZDNmYTgzYmQ2MDIzZDA0YmMxMGEyZGEifQ=="/>
+<p:tagLst xmlns:a="http://schemas.openxmlformats.org/drawingml/2006/main" xmlns:r="http://schemas.openxmlformats.org/officeDocument/2006/relationships" xmlns:p="http://schemas.openxmlformats.org/presentationml/2006/main">
+  <p:tag name="COMMONDATA" val="eyJoZGlkIjoiODJjZTVlYzc1ZDNmYTgzYmQ2MDIzZDA0YmMxMGEyZGEifQ=="/>
 </p:tagLst>
 </file>
 
@@ -6100,6 +5915,8 @@
       </a:bgFillStyleLst>
     </a:fmtScheme>
   </a:themeElements>
+  <a:objectDefaults/>
+  <a:extraClrSchemeLst/>
   <a:extLst>
     <a:ext uri="{05A4C25C-085E-4340-85A3-A5531E510DB2}">
       <thm15:themeFamily xmlns:thm15="http://schemas.microsoft.com/office/thememl/2012/main" name="Office Theme" id="{62F939B6-93AF-4DB8-9C6B-D6C7DFDC589F}" vid="{4A3C46E8-61CC-4603-A589-7422A47A8E4A}"/>
